--- a/Báo cáo TKB.pptx
+++ b/Báo cáo TKB.pptx
@@ -17,7 +17,7 @@
     <p:sldId id="285" r:id="rId11"/>
     <p:sldId id="286" r:id="rId12"/>
     <p:sldId id="287" r:id="rId13"/>
-    <p:sldId id="281" r:id="rId14"/>
+    <p:sldId id="290" r:id="rId14"/>
   </p:sldIdLst>
   <p:sldSz cx="12192000" cy="6858000"/>
   <p:notesSz cx="6858000" cy="9144000"/>
@@ -253,7 +253,7 @@
           <a:p>
             <a:fld id="{3FDFAF59-80FD-42F8-B77B-6179688B7234}" type="datetimeFigureOut">
               <a:rPr lang="de-DE" smtClean="0"/>
-              <a:t>04.04.2019</a:t>
+              <a:t>10.04.2019</a:t>
             </a:fld>
             <a:endParaRPr lang="de-DE"/>
           </a:p>
@@ -421,7 +421,7 @@
           <a:p>
             <a:fld id="{3FDFAF59-80FD-42F8-B77B-6179688B7234}" type="datetimeFigureOut">
               <a:rPr lang="de-DE" smtClean="0"/>
-              <a:t>04.04.2019</a:t>
+              <a:t>10.04.2019</a:t>
             </a:fld>
             <a:endParaRPr lang="de-DE"/>
           </a:p>
@@ -599,7 +599,7 @@
           <a:p>
             <a:fld id="{3FDFAF59-80FD-42F8-B77B-6179688B7234}" type="datetimeFigureOut">
               <a:rPr lang="de-DE" smtClean="0"/>
-              <a:t>04.04.2019</a:t>
+              <a:t>10.04.2019</a:t>
             </a:fld>
             <a:endParaRPr lang="de-DE"/>
           </a:p>
@@ -767,7 +767,7 @@
           <a:p>
             <a:fld id="{3FDFAF59-80FD-42F8-B77B-6179688B7234}" type="datetimeFigureOut">
               <a:rPr lang="de-DE" smtClean="0"/>
-              <a:t>04.04.2019</a:t>
+              <a:t>10.04.2019</a:t>
             </a:fld>
             <a:endParaRPr lang="de-DE"/>
           </a:p>
@@ -1012,7 +1012,7 @@
           <a:p>
             <a:fld id="{3FDFAF59-80FD-42F8-B77B-6179688B7234}" type="datetimeFigureOut">
               <a:rPr lang="de-DE" smtClean="0"/>
-              <a:t>04.04.2019</a:t>
+              <a:t>10.04.2019</a:t>
             </a:fld>
             <a:endParaRPr lang="de-DE"/>
           </a:p>
@@ -1241,7 +1241,7 @@
           <a:p>
             <a:fld id="{3FDFAF59-80FD-42F8-B77B-6179688B7234}" type="datetimeFigureOut">
               <a:rPr lang="de-DE" smtClean="0"/>
-              <a:t>04.04.2019</a:t>
+              <a:t>10.04.2019</a:t>
             </a:fld>
             <a:endParaRPr lang="de-DE"/>
           </a:p>
@@ -1605,7 +1605,7 @@
           <a:p>
             <a:fld id="{3FDFAF59-80FD-42F8-B77B-6179688B7234}" type="datetimeFigureOut">
               <a:rPr lang="de-DE" smtClean="0"/>
-              <a:t>04.04.2019</a:t>
+              <a:t>10.04.2019</a:t>
             </a:fld>
             <a:endParaRPr lang="de-DE"/>
           </a:p>
@@ -1722,7 +1722,7 @@
           <a:p>
             <a:fld id="{3FDFAF59-80FD-42F8-B77B-6179688B7234}" type="datetimeFigureOut">
               <a:rPr lang="de-DE" smtClean="0"/>
-              <a:t>04.04.2019</a:t>
+              <a:t>10.04.2019</a:t>
             </a:fld>
             <a:endParaRPr lang="de-DE"/>
           </a:p>
@@ -1817,7 +1817,7 @@
           <a:p>
             <a:fld id="{3FDFAF59-80FD-42F8-B77B-6179688B7234}" type="datetimeFigureOut">
               <a:rPr lang="de-DE" smtClean="0"/>
-              <a:t>04.04.2019</a:t>
+              <a:t>10.04.2019</a:t>
             </a:fld>
             <a:endParaRPr lang="de-DE"/>
           </a:p>
@@ -2092,7 +2092,7 @@
           <a:p>
             <a:fld id="{3FDFAF59-80FD-42F8-B77B-6179688B7234}" type="datetimeFigureOut">
               <a:rPr lang="de-DE" smtClean="0"/>
-              <a:t>04.04.2019</a:t>
+              <a:t>10.04.2019</a:t>
             </a:fld>
             <a:endParaRPr lang="de-DE"/>
           </a:p>
@@ -2344,7 +2344,7 @@
           <a:p>
             <a:fld id="{3FDFAF59-80FD-42F8-B77B-6179688B7234}" type="datetimeFigureOut">
               <a:rPr lang="de-DE" smtClean="0"/>
-              <a:t>04.04.2019</a:t>
+              <a:t>10.04.2019</a:t>
             </a:fld>
             <a:endParaRPr lang="de-DE"/>
           </a:p>
@@ -2558,7 +2558,7 @@
           <a:p>
             <a:fld id="{3FDFAF59-80FD-42F8-B77B-6179688B7234}" type="datetimeFigureOut">
               <a:rPr lang="de-DE" smtClean="0"/>
-              <a:t>04.04.2019</a:t>
+              <a:t>10.04.2019</a:t>
             </a:fld>
             <a:endParaRPr lang="de-DE"/>
           </a:p>
@@ -6856,6 +6856,92 @@
       </p:transition>
     </mc:Fallback>
   </mc:AlternateContent>
+  <p:timing>
+    <p:tnLst>
+      <p:par>
+        <p:cTn id="1" dur="indefinite" restart="never" nodeType="tmRoot">
+          <p:childTnLst>
+            <p:seq concurrent="1" nextAc="seek">
+              <p:cTn id="2" dur="indefinite" nodeType="mainSeq">
+                <p:childTnLst>
+                  <p:par>
+                    <p:cTn id="3" fill="hold">
+                      <p:stCondLst>
+                        <p:cond delay="indefinite"/>
+                        <p:cond evt="onBegin" delay="0">
+                          <p:tn val="2"/>
+                        </p:cond>
+                      </p:stCondLst>
+                      <p:childTnLst>
+                        <p:par>
+                          <p:cTn id="4" fill="hold">
+                            <p:stCondLst>
+                              <p:cond delay="0"/>
+                            </p:stCondLst>
+                            <p:childTnLst>
+                              <p:par>
+                                <p:cTn id="5" presetID="22" presetClass="entr" presetSubtype="4" fill="hold" nodeType="afterEffect">
+                                  <p:stCondLst>
+                                    <p:cond delay="0"/>
+                                  </p:stCondLst>
+                                  <p:childTnLst>
+                                    <p:set>
+                                      <p:cBhvr>
+                                        <p:cTn id="6" dur="1" fill="hold">
+                                          <p:stCondLst>
+                                            <p:cond delay="0"/>
+                                          </p:stCondLst>
+                                        </p:cTn>
+                                        <p:tgtEl>
+                                          <p:spTgt spid="97"/>
+                                        </p:tgtEl>
+                                        <p:attrNameLst>
+                                          <p:attrName>style.visibility</p:attrName>
+                                        </p:attrNameLst>
+                                      </p:cBhvr>
+                                      <p:to>
+                                        <p:strVal val="visible"/>
+                                      </p:to>
+                                    </p:set>
+                                    <p:animEffect transition="in" filter="wipe(down)">
+                                      <p:cBhvr>
+                                        <p:cTn id="7" dur="500"/>
+                                        <p:tgtEl>
+                                          <p:spTgt spid="97"/>
+                                        </p:tgtEl>
+                                      </p:cBhvr>
+                                    </p:animEffect>
+                                  </p:childTnLst>
+                                </p:cTn>
+                              </p:par>
+                            </p:childTnLst>
+                          </p:cTn>
+                        </p:par>
+                      </p:childTnLst>
+                    </p:cTn>
+                  </p:par>
+                </p:childTnLst>
+              </p:cTn>
+              <p:prevCondLst>
+                <p:cond evt="onPrev" delay="0">
+                  <p:tgtEl>
+                    <p:sldTgt/>
+                  </p:tgtEl>
+                </p:cond>
+              </p:prevCondLst>
+              <p:nextCondLst>
+                <p:cond evt="onNext" delay="0">
+                  <p:tgtEl>
+                    <p:sldTgt/>
+                  </p:tgtEl>
+                </p:cond>
+              </p:nextCondLst>
+            </p:seq>
+          </p:childTnLst>
+        </p:cTn>
+      </p:par>
+    </p:tnLst>
+  </p:timing>
 </p:sld>
 </file>
 
@@ -8459,6 +8545,92 @@
       </p:transition>
     </mc:Fallback>
   </mc:AlternateContent>
+  <p:timing>
+    <p:tnLst>
+      <p:par>
+        <p:cTn id="1" dur="indefinite" restart="never" nodeType="tmRoot">
+          <p:childTnLst>
+            <p:seq concurrent="1" nextAc="seek">
+              <p:cTn id="2" dur="indefinite" nodeType="mainSeq">
+                <p:childTnLst>
+                  <p:par>
+                    <p:cTn id="3" fill="hold">
+                      <p:stCondLst>
+                        <p:cond delay="indefinite"/>
+                        <p:cond evt="onBegin" delay="0">
+                          <p:tn val="2"/>
+                        </p:cond>
+                      </p:stCondLst>
+                      <p:childTnLst>
+                        <p:par>
+                          <p:cTn id="4" fill="hold">
+                            <p:stCondLst>
+                              <p:cond delay="0"/>
+                            </p:stCondLst>
+                            <p:childTnLst>
+                              <p:par>
+                                <p:cTn id="5" presetID="22" presetClass="entr" presetSubtype="4" fill="hold" nodeType="afterEffect">
+                                  <p:stCondLst>
+                                    <p:cond delay="0"/>
+                                  </p:stCondLst>
+                                  <p:childTnLst>
+                                    <p:set>
+                                      <p:cBhvr>
+                                        <p:cTn id="6" dur="1" fill="hold">
+                                          <p:stCondLst>
+                                            <p:cond delay="0"/>
+                                          </p:stCondLst>
+                                        </p:cTn>
+                                        <p:tgtEl>
+                                          <p:spTgt spid="38"/>
+                                        </p:tgtEl>
+                                        <p:attrNameLst>
+                                          <p:attrName>style.visibility</p:attrName>
+                                        </p:attrNameLst>
+                                      </p:cBhvr>
+                                      <p:to>
+                                        <p:strVal val="visible"/>
+                                      </p:to>
+                                    </p:set>
+                                    <p:animEffect transition="in" filter="wipe(down)">
+                                      <p:cBhvr>
+                                        <p:cTn id="7" dur="500"/>
+                                        <p:tgtEl>
+                                          <p:spTgt spid="38"/>
+                                        </p:tgtEl>
+                                      </p:cBhvr>
+                                    </p:animEffect>
+                                  </p:childTnLst>
+                                </p:cTn>
+                              </p:par>
+                            </p:childTnLst>
+                          </p:cTn>
+                        </p:par>
+                      </p:childTnLst>
+                    </p:cTn>
+                  </p:par>
+                </p:childTnLst>
+              </p:cTn>
+              <p:prevCondLst>
+                <p:cond evt="onPrev" delay="0">
+                  <p:tgtEl>
+                    <p:sldTgt/>
+                  </p:tgtEl>
+                </p:cond>
+              </p:prevCondLst>
+              <p:nextCondLst>
+                <p:cond evt="onNext" delay="0">
+                  <p:tgtEl>
+                    <p:sldTgt/>
+                  </p:tgtEl>
+                </p:cond>
+              </p:nextCondLst>
+            </p:seq>
+          </p:childTnLst>
+        </p:cTn>
+      </p:par>
+    </p:tnLst>
+  </p:timing>
 </p:sld>
 </file>
 
@@ -10062,6 +10234,92 @@
       </p:transition>
     </mc:Fallback>
   </mc:AlternateContent>
+  <p:timing>
+    <p:tnLst>
+      <p:par>
+        <p:cTn id="1" dur="indefinite" restart="never" nodeType="tmRoot">
+          <p:childTnLst>
+            <p:seq concurrent="1" nextAc="seek">
+              <p:cTn id="2" dur="indefinite" nodeType="mainSeq">
+                <p:childTnLst>
+                  <p:par>
+                    <p:cTn id="3" fill="hold">
+                      <p:stCondLst>
+                        <p:cond delay="indefinite"/>
+                        <p:cond evt="onBegin" delay="0">
+                          <p:tn val="2"/>
+                        </p:cond>
+                      </p:stCondLst>
+                      <p:childTnLst>
+                        <p:par>
+                          <p:cTn id="4" fill="hold">
+                            <p:stCondLst>
+                              <p:cond delay="0"/>
+                            </p:stCondLst>
+                            <p:childTnLst>
+                              <p:par>
+                                <p:cTn id="5" presetID="22" presetClass="entr" presetSubtype="4" fill="hold" nodeType="afterEffect">
+                                  <p:stCondLst>
+                                    <p:cond delay="0"/>
+                                  </p:stCondLst>
+                                  <p:childTnLst>
+                                    <p:set>
+                                      <p:cBhvr>
+                                        <p:cTn id="6" dur="1" fill="hold">
+                                          <p:stCondLst>
+                                            <p:cond delay="0"/>
+                                          </p:stCondLst>
+                                        </p:cTn>
+                                        <p:tgtEl>
+                                          <p:spTgt spid="44"/>
+                                        </p:tgtEl>
+                                        <p:attrNameLst>
+                                          <p:attrName>style.visibility</p:attrName>
+                                        </p:attrNameLst>
+                                      </p:cBhvr>
+                                      <p:to>
+                                        <p:strVal val="visible"/>
+                                      </p:to>
+                                    </p:set>
+                                    <p:animEffect transition="in" filter="wipe(down)">
+                                      <p:cBhvr>
+                                        <p:cTn id="7" dur="500"/>
+                                        <p:tgtEl>
+                                          <p:spTgt spid="44"/>
+                                        </p:tgtEl>
+                                      </p:cBhvr>
+                                    </p:animEffect>
+                                  </p:childTnLst>
+                                </p:cTn>
+                              </p:par>
+                            </p:childTnLst>
+                          </p:cTn>
+                        </p:par>
+                      </p:childTnLst>
+                    </p:cTn>
+                  </p:par>
+                </p:childTnLst>
+              </p:cTn>
+              <p:prevCondLst>
+                <p:cond evt="onPrev" delay="0">
+                  <p:tgtEl>
+                    <p:sldTgt/>
+                  </p:tgtEl>
+                </p:cond>
+              </p:prevCondLst>
+              <p:nextCondLst>
+                <p:cond evt="onNext" delay="0">
+                  <p:tgtEl>
+                    <p:sldTgt/>
+                  </p:tgtEl>
+                </p:cond>
+              </p:nextCondLst>
+            </p:seq>
+          </p:childTnLst>
+        </p:cTn>
+      </p:par>
+    </p:tnLst>
+  </p:timing>
 </p:sld>
 </file>
 
@@ -10082,57 +10340,1778 @@
           <a:chExt cx="0" cy="0"/>
         </a:xfrm>
       </p:grpSpPr>
-      <p:pic>
-        <p:nvPicPr>
-          <p:cNvPr id="1026" name="Picture 2" descr="áº¿t quáº£ hÃ¬nh áº£nh cho slide chÃ o"/>
-          <p:cNvPicPr>
-            <a:picLocks noChangeAspect="1" noChangeArrowheads="1"/>
-          </p:cNvPicPr>
-          <p:nvPr/>
-        </p:nvPicPr>
-        <p:blipFill>
-          <a:blip r:embed="rId2">
+      <p:grpSp>
+        <p:nvGrpSpPr>
+          <p:cNvPr id="50" name="Group 49">
             <a:extLst>
-              <a:ext uri="{28A0092B-C50C-407E-A947-70E740481C1C}">
-                <a14:useLocalDpi xmlns:a14="http://schemas.microsoft.com/office/drawing/2010/main" val="0"/>
+              <a:ext uri="{FF2B5EF4-FFF2-40B4-BE49-F238E27FC236}">
+                <a16:creationId xmlns:a16="http://schemas.microsoft.com/office/drawing/2014/main" id="{10781169-B7A4-446E-BD33-B9650367A7F9}"/>
               </a:ext>
             </a:extLst>
-          </a:blip>
-          <a:srcRect/>
-          <a:stretch>
-            <a:fillRect/>
-          </a:stretch>
-        </p:blipFill>
-        <p:spPr bwMode="auto">
+          </p:cNvPr>
+          <p:cNvGrpSpPr/>
+          <p:nvPr/>
+        </p:nvGrpSpPr>
+        <p:grpSpPr>
           <a:xfrm>
-            <a:off x="0" y="-952500"/>
-            <a:ext cx="12192000" cy="8778240"/>
+            <a:off x="-290920" y="0"/>
+            <a:ext cx="12482920" cy="6858000"/>
+            <a:chOff x="-290920" y="0"/>
+            <a:chExt cx="12482920" cy="6858000"/>
+          </a:xfrm>
+        </p:grpSpPr>
+        <p:sp>
+          <p:nvSpPr>
+            <p:cNvPr id="51" name="Rectangle 50">
+              <a:extLst>
+                <a:ext uri="{FF2B5EF4-FFF2-40B4-BE49-F238E27FC236}">
+                  <a16:creationId xmlns:a16="http://schemas.microsoft.com/office/drawing/2014/main" id="{CED3AF08-30FC-4AFF-9C5C-99D0A7099514}"/>
+                </a:ext>
+              </a:extLst>
+            </p:cNvPr>
+            <p:cNvSpPr/>
+            <p:nvPr/>
+          </p:nvSpPr>
+          <p:spPr>
+            <a:xfrm>
+              <a:off x="-290920" y="0"/>
+              <a:ext cx="12482920" cy="6858000"/>
+            </a:xfrm>
+            <a:prstGeom prst="rect">
+              <a:avLst/>
+            </a:prstGeom>
+            <a:solidFill>
+              <a:srgbClr val="F0EEF0"/>
+            </a:solidFill>
+            <a:ln>
+              <a:noFill/>
+            </a:ln>
+            <a:effectLst>
+              <a:outerShdw blurRad="215900" dist="38100" sx="101000" sy="101000" algn="l" rotWithShape="0">
+                <a:schemeClr val="tx1">
+                  <a:lumMod val="65000"/>
+                  <a:lumOff val="35000"/>
+                  <a:alpha val="35000"/>
+                </a:schemeClr>
+              </a:outerShdw>
+            </a:effectLst>
+          </p:spPr>
+          <p:style>
+            <a:lnRef idx="2">
+              <a:schemeClr val="accent1">
+                <a:shade val="50000"/>
+              </a:schemeClr>
+            </a:lnRef>
+            <a:fillRef idx="1">
+              <a:schemeClr val="accent1"/>
+            </a:fillRef>
+            <a:effectRef idx="0">
+              <a:schemeClr val="accent1"/>
+            </a:effectRef>
+            <a:fontRef idx="minor">
+              <a:schemeClr val="lt1"/>
+            </a:fontRef>
+          </p:style>
+          <p:txBody>
+            <a:bodyPr rtlCol="0" anchor="ctr"/>
+            <a:lstStyle/>
+            <a:p>
+              <a:pPr algn="ctr"/>
+              <a:endParaRPr lang="en-US" sz="2400">
+                <a:latin typeface="Arial Hebrew" charset="-79"/>
+                <a:ea typeface="Arial Hebrew" charset="-79"/>
+                <a:cs typeface="Arial Hebrew" charset="-79"/>
+              </a:endParaRPr>
+            </a:p>
+          </p:txBody>
+        </p:sp>
+        <p:sp>
+          <p:nvSpPr>
+            <p:cNvPr id="52" name="Freeform: Shape 51">
+              <a:extLst>
+                <a:ext uri="{FF2B5EF4-FFF2-40B4-BE49-F238E27FC236}">
+                  <a16:creationId xmlns:a16="http://schemas.microsoft.com/office/drawing/2014/main" id="{99AF1FBA-9557-484A-B305-EE590A192E96}"/>
+                </a:ext>
+              </a:extLst>
+            </p:cNvPr>
+            <p:cNvSpPr/>
+            <p:nvPr/>
+          </p:nvSpPr>
+          <p:spPr>
+            <a:xfrm>
+              <a:off x="11023600" y="2337441"/>
+              <a:ext cx="1168400" cy="2360918"/>
+            </a:xfrm>
+            <a:custGeom>
+              <a:avLst/>
+              <a:gdLst>
+                <a:gd name="connsiteX0" fmla="*/ 1168400 w 1168400"/>
+                <a:gd name="connsiteY0" fmla="*/ 0 h 2360918"/>
+                <a:gd name="connsiteX1" fmla="*/ 1168400 w 1168400"/>
+                <a:gd name="connsiteY1" fmla="*/ 2360918 h 2360918"/>
+                <a:gd name="connsiteX2" fmla="*/ 1060340 w 1168400"/>
+                <a:gd name="connsiteY2" fmla="*/ 2355461 h 2360918"/>
+                <a:gd name="connsiteX3" fmla="*/ 0 w 1168400"/>
+                <a:gd name="connsiteY3" fmla="*/ 1180459 h 2360918"/>
+                <a:gd name="connsiteX4" fmla="*/ 1060340 w 1168400"/>
+                <a:gd name="connsiteY4" fmla="*/ 5457 h 2360918"/>
+              </a:gdLst>
+              <a:ahLst/>
+              <a:cxnLst>
+                <a:cxn ang="0">
+                  <a:pos x="connsiteX0" y="connsiteY0"/>
+                </a:cxn>
+                <a:cxn ang="0">
+                  <a:pos x="connsiteX1" y="connsiteY1"/>
+                </a:cxn>
+                <a:cxn ang="0">
+                  <a:pos x="connsiteX2" y="connsiteY2"/>
+                </a:cxn>
+                <a:cxn ang="0">
+                  <a:pos x="connsiteX3" y="connsiteY3"/>
+                </a:cxn>
+                <a:cxn ang="0">
+                  <a:pos x="connsiteX4" y="connsiteY4"/>
+                </a:cxn>
+              </a:cxnLst>
+              <a:rect l="l" t="t" r="r" b="b"/>
+              <a:pathLst>
+                <a:path w="1168400" h="2360918">
+                  <a:moveTo>
+                    <a:pt x="1168400" y="0"/>
+                  </a:moveTo>
+                  <a:lnTo>
+                    <a:pt x="1168400" y="2360918"/>
+                  </a:lnTo>
+                  <a:lnTo>
+                    <a:pt x="1060340" y="2355461"/>
+                  </a:lnTo>
+                  <a:cubicBezTo>
+                    <a:pt x="464762" y="2294977"/>
+                    <a:pt x="0" y="1791994"/>
+                    <a:pt x="0" y="1180459"/>
+                  </a:cubicBezTo>
+                  <a:cubicBezTo>
+                    <a:pt x="0" y="568924"/>
+                    <a:pt x="464762" y="65941"/>
+                    <a:pt x="1060340" y="5457"/>
+                  </a:cubicBezTo>
+                  <a:close/>
+                </a:path>
+              </a:pathLst>
+            </a:custGeom>
+            <a:solidFill>
+              <a:srgbClr val="FF5969"/>
+            </a:solidFill>
+            <a:ln>
+              <a:noFill/>
+            </a:ln>
+          </p:spPr>
+          <p:style>
+            <a:lnRef idx="2">
+              <a:schemeClr val="accent1">
+                <a:shade val="50000"/>
+              </a:schemeClr>
+            </a:lnRef>
+            <a:fillRef idx="1">
+              <a:schemeClr val="accent1"/>
+            </a:fillRef>
+            <a:effectRef idx="0">
+              <a:schemeClr val="accent1"/>
+            </a:effectRef>
+            <a:fontRef idx="minor">
+              <a:schemeClr val="lt1"/>
+            </a:fontRef>
+          </p:style>
+          <p:txBody>
+            <a:bodyPr rtlCol="0" anchor="ctr"/>
+            <a:lstStyle/>
+            <a:p>
+              <a:pPr algn="ctr"/>
+              <a:endParaRPr lang="en-US" sz="2400">
+                <a:latin typeface="Arial Hebrew" charset="-79"/>
+                <a:ea typeface="Arial Hebrew" charset="-79"/>
+                <a:cs typeface="Arial Hebrew" charset="-79"/>
+              </a:endParaRPr>
+            </a:p>
+          </p:txBody>
+        </p:sp>
+        <p:sp>
+          <p:nvSpPr>
+            <p:cNvPr id="53" name="TextBox 52">
+              <a:extLst>
+                <a:ext uri="{FF2B5EF4-FFF2-40B4-BE49-F238E27FC236}">
+                  <a16:creationId xmlns:a16="http://schemas.microsoft.com/office/drawing/2014/main" id="{407E3AA2-679E-4924-AC1B-FE6C3A02C251}"/>
+                </a:ext>
+              </a:extLst>
+            </p:cNvPr>
+            <p:cNvSpPr txBox="1"/>
+            <p:nvPr/>
+          </p:nvSpPr>
+          <p:spPr>
+            <a:xfrm rot="16200000">
+              <a:off x="10872792" y="3287067"/>
+              <a:ext cx="1992086" cy="461665"/>
+            </a:xfrm>
+            <a:prstGeom prst="rect">
+              <a:avLst/>
+            </a:prstGeom>
+            <a:noFill/>
+          </p:spPr>
+          <p:txBody>
+            <a:bodyPr wrap="square" rtlCol="0">
+              <a:spAutoFit/>
+            </a:bodyPr>
+            <a:lstStyle/>
+            <a:p>
+              <a:pPr algn="ctr"/>
+              <a:r>
+                <a:rPr lang="en-US" sz="2400" b="1">
+                  <a:solidFill>
+                    <a:srgbClr val="F0EEF0"/>
+                  </a:solidFill>
+                  <a:latin typeface="Arial Hebrew" charset="-79"/>
+                  <a:ea typeface="Arial Hebrew" charset="-79"/>
+                  <a:cs typeface="Arial Hebrew" charset="-79"/>
+                </a:rPr>
+                <a:t>Thông tin</a:t>
+              </a:r>
+            </a:p>
+          </p:txBody>
+        </p:sp>
+        <p:pic>
+          <p:nvPicPr>
+            <p:cNvPr id="54" name="Picture 53">
+              <a:extLst>
+                <a:ext uri="{FF2B5EF4-FFF2-40B4-BE49-F238E27FC236}">
+                  <a16:creationId xmlns:a16="http://schemas.microsoft.com/office/drawing/2014/main" id="{CD9846FC-755F-4A0E-BAD3-A5D51C0E1EBE}"/>
+                </a:ext>
+              </a:extLst>
+            </p:cNvPr>
+            <p:cNvPicPr>
+              <a:picLocks noChangeAspect="1"/>
+            </p:cNvPicPr>
+            <p:nvPr/>
+          </p:nvPicPr>
+          <p:blipFill>
+            <a:blip r:embed="rId2">
+              <a:extLst>
+                <a:ext uri="{28A0092B-C50C-407E-A947-70E740481C1C}">
+                  <a14:useLocalDpi xmlns:a14="http://schemas.microsoft.com/office/drawing/2010/main" val="0"/>
+                </a:ext>
+              </a:extLst>
+            </a:blip>
+            <a:stretch>
+              <a:fillRect/>
+            </a:stretch>
+          </p:blipFill>
+          <p:spPr>
+            <a:xfrm rot="16200000">
+              <a:off x="11129999" y="3247473"/>
+              <a:ext cx="530600" cy="530600"/>
+            </a:xfrm>
+            <a:prstGeom prst="rect">
+              <a:avLst/>
+            </a:prstGeom>
+          </p:spPr>
+        </p:pic>
+      </p:grpSp>
+      <p:grpSp>
+        <p:nvGrpSpPr>
+          <p:cNvPr id="55" name="Group 54">
+            <a:extLst>
+              <a:ext uri="{FF2B5EF4-FFF2-40B4-BE49-F238E27FC236}">
+                <a16:creationId xmlns:a16="http://schemas.microsoft.com/office/drawing/2014/main" id="{F00A67C9-4929-4EFF-9CB6-292640CD2738}"/>
+              </a:ext>
+            </a:extLst>
+          </p:cNvPr>
+          <p:cNvGrpSpPr/>
+          <p:nvPr/>
+        </p:nvGrpSpPr>
+        <p:grpSpPr>
+          <a:xfrm>
+            <a:off x="-1243564" y="-2"/>
+            <a:ext cx="12917853" cy="6858000"/>
+            <a:chOff x="213096" y="0"/>
+            <a:chExt cx="11447501" cy="6858000"/>
+          </a:xfrm>
+        </p:grpSpPr>
+        <p:sp>
+          <p:nvSpPr>
+            <p:cNvPr id="56" name="Rectangle 55">
+              <a:extLst>
+                <a:ext uri="{FF2B5EF4-FFF2-40B4-BE49-F238E27FC236}">
+                  <a16:creationId xmlns:a16="http://schemas.microsoft.com/office/drawing/2014/main" id="{3E8CDB02-4760-4298-BC44-93A18EB02F13}"/>
+                </a:ext>
+              </a:extLst>
+            </p:cNvPr>
+            <p:cNvSpPr/>
+            <p:nvPr/>
+          </p:nvSpPr>
+          <p:spPr>
+            <a:xfrm>
+              <a:off x="213096" y="0"/>
+              <a:ext cx="11447501" cy="6858000"/>
+            </a:xfrm>
+            <a:prstGeom prst="rect">
+              <a:avLst/>
+            </a:prstGeom>
+            <a:solidFill>
+              <a:srgbClr val="F0EEF0"/>
+            </a:solidFill>
+            <a:ln>
+              <a:noFill/>
+            </a:ln>
+            <a:effectLst>
+              <a:outerShdw blurRad="215900" dist="38100" sx="101000" sy="101000" algn="l" rotWithShape="0">
+                <a:schemeClr val="tx1">
+                  <a:lumMod val="65000"/>
+                  <a:lumOff val="35000"/>
+                  <a:alpha val="35000"/>
+                </a:schemeClr>
+              </a:outerShdw>
+            </a:effectLst>
+          </p:spPr>
+          <p:style>
+            <a:lnRef idx="2">
+              <a:schemeClr val="accent1">
+                <a:shade val="50000"/>
+              </a:schemeClr>
+            </a:lnRef>
+            <a:fillRef idx="1">
+              <a:schemeClr val="accent1"/>
+            </a:fillRef>
+            <a:effectRef idx="0">
+              <a:schemeClr val="accent1"/>
+            </a:effectRef>
+            <a:fontRef idx="minor">
+              <a:schemeClr val="lt1"/>
+            </a:fontRef>
+          </p:style>
+          <p:txBody>
+            <a:bodyPr rtlCol="0" anchor="ctr"/>
+            <a:lstStyle/>
+            <a:p>
+              <a:pPr algn="ctr"/>
+              <a:endParaRPr lang="en-US" sz="2400">
+                <a:latin typeface="Arial Hebrew" charset="-79"/>
+                <a:ea typeface="Arial Hebrew" charset="-79"/>
+                <a:cs typeface="Arial Hebrew" charset="-79"/>
+              </a:endParaRPr>
+            </a:p>
+          </p:txBody>
+        </p:sp>
+        <p:sp>
+          <p:nvSpPr>
+            <p:cNvPr id="57" name="Freeform: Shape 56">
+              <a:extLst>
+                <a:ext uri="{FF2B5EF4-FFF2-40B4-BE49-F238E27FC236}">
+                  <a16:creationId xmlns:a16="http://schemas.microsoft.com/office/drawing/2014/main" id="{57C0FD50-5E69-463E-A01B-65E9D864A386}"/>
+                </a:ext>
+              </a:extLst>
+            </p:cNvPr>
+            <p:cNvSpPr/>
+            <p:nvPr/>
+          </p:nvSpPr>
+          <p:spPr>
+            <a:xfrm>
+              <a:off x="10492197" y="2337441"/>
+              <a:ext cx="1168400" cy="2360918"/>
+            </a:xfrm>
+            <a:custGeom>
+              <a:avLst/>
+              <a:gdLst>
+                <a:gd name="connsiteX0" fmla="*/ 1168400 w 1168400"/>
+                <a:gd name="connsiteY0" fmla="*/ 0 h 2360918"/>
+                <a:gd name="connsiteX1" fmla="*/ 1168400 w 1168400"/>
+                <a:gd name="connsiteY1" fmla="*/ 2360918 h 2360918"/>
+                <a:gd name="connsiteX2" fmla="*/ 1060340 w 1168400"/>
+                <a:gd name="connsiteY2" fmla="*/ 2355461 h 2360918"/>
+                <a:gd name="connsiteX3" fmla="*/ 0 w 1168400"/>
+                <a:gd name="connsiteY3" fmla="*/ 1180459 h 2360918"/>
+                <a:gd name="connsiteX4" fmla="*/ 1060340 w 1168400"/>
+                <a:gd name="connsiteY4" fmla="*/ 5457 h 2360918"/>
+              </a:gdLst>
+              <a:ahLst/>
+              <a:cxnLst>
+                <a:cxn ang="0">
+                  <a:pos x="connsiteX0" y="connsiteY0"/>
+                </a:cxn>
+                <a:cxn ang="0">
+                  <a:pos x="connsiteX1" y="connsiteY1"/>
+                </a:cxn>
+                <a:cxn ang="0">
+                  <a:pos x="connsiteX2" y="connsiteY2"/>
+                </a:cxn>
+                <a:cxn ang="0">
+                  <a:pos x="connsiteX3" y="connsiteY3"/>
+                </a:cxn>
+                <a:cxn ang="0">
+                  <a:pos x="connsiteX4" y="connsiteY4"/>
+                </a:cxn>
+              </a:cxnLst>
+              <a:rect l="l" t="t" r="r" b="b"/>
+              <a:pathLst>
+                <a:path w="1168400" h="2360918">
+                  <a:moveTo>
+                    <a:pt x="1168400" y="0"/>
+                  </a:moveTo>
+                  <a:lnTo>
+                    <a:pt x="1168400" y="2360918"/>
+                  </a:lnTo>
+                  <a:lnTo>
+                    <a:pt x="1060340" y="2355461"/>
+                  </a:lnTo>
+                  <a:cubicBezTo>
+                    <a:pt x="464762" y="2294977"/>
+                    <a:pt x="0" y="1791994"/>
+                    <a:pt x="0" y="1180459"/>
+                  </a:cubicBezTo>
+                  <a:cubicBezTo>
+                    <a:pt x="0" y="568924"/>
+                    <a:pt x="464762" y="65941"/>
+                    <a:pt x="1060340" y="5457"/>
+                  </a:cubicBezTo>
+                  <a:close/>
+                </a:path>
+              </a:pathLst>
+            </a:custGeom>
+            <a:solidFill>
+              <a:srgbClr val="52CDC0"/>
+            </a:solidFill>
+            <a:ln>
+              <a:noFill/>
+            </a:ln>
+          </p:spPr>
+          <p:style>
+            <a:lnRef idx="2">
+              <a:schemeClr val="accent1">
+                <a:shade val="50000"/>
+              </a:schemeClr>
+            </a:lnRef>
+            <a:fillRef idx="1">
+              <a:schemeClr val="accent1"/>
+            </a:fillRef>
+            <a:effectRef idx="0">
+              <a:schemeClr val="accent1"/>
+            </a:effectRef>
+            <a:fontRef idx="minor">
+              <a:schemeClr val="lt1"/>
+            </a:fontRef>
+          </p:style>
+          <p:txBody>
+            <a:bodyPr rtlCol="0" anchor="ctr"/>
+            <a:lstStyle/>
+            <a:p>
+              <a:pPr algn="ctr"/>
+              <a:endParaRPr lang="en-US" sz="2400">
+                <a:latin typeface="Arial Hebrew" charset="-79"/>
+                <a:ea typeface="Arial Hebrew" charset="-79"/>
+                <a:cs typeface="Arial Hebrew" charset="-79"/>
+              </a:endParaRPr>
+            </a:p>
+          </p:txBody>
+        </p:sp>
+        <p:sp>
+          <p:nvSpPr>
+            <p:cNvPr id="58" name="TextBox 57">
+              <a:extLst>
+                <a:ext uri="{FF2B5EF4-FFF2-40B4-BE49-F238E27FC236}">
+                  <a16:creationId xmlns:a16="http://schemas.microsoft.com/office/drawing/2014/main" id="{04CBFB1D-37FD-419F-B98C-860BF5217905}"/>
+                </a:ext>
+              </a:extLst>
+            </p:cNvPr>
+            <p:cNvSpPr txBox="1"/>
+            <p:nvPr/>
+          </p:nvSpPr>
+          <p:spPr>
+            <a:xfrm rot="16200000">
+              <a:off x="10341391" y="3198167"/>
+              <a:ext cx="1992086" cy="461665"/>
+            </a:xfrm>
+            <a:prstGeom prst="rect">
+              <a:avLst/>
+            </a:prstGeom>
+            <a:noFill/>
+          </p:spPr>
+          <p:txBody>
+            <a:bodyPr wrap="square" rtlCol="0">
+              <a:spAutoFit/>
+            </a:bodyPr>
+            <a:lstStyle/>
+            <a:p>
+              <a:pPr algn="ctr"/>
+              <a:r>
+                <a:rPr lang="en-US" sz="2400" b="1">
+                  <a:solidFill>
+                    <a:srgbClr val="F0EEF0"/>
+                  </a:solidFill>
+                  <a:latin typeface="Arial Hebrew" charset="-79"/>
+                  <a:ea typeface="Arial Hebrew" charset="-79"/>
+                  <a:cs typeface="Arial Hebrew" charset="-79"/>
+                </a:rPr>
+                <a:t>Nội dung</a:t>
+              </a:r>
+            </a:p>
+          </p:txBody>
+        </p:sp>
+        <p:pic>
+          <p:nvPicPr>
+            <p:cNvPr id="59" name="Picture 58">
+              <a:extLst>
+                <a:ext uri="{FF2B5EF4-FFF2-40B4-BE49-F238E27FC236}">
+                  <a16:creationId xmlns:a16="http://schemas.microsoft.com/office/drawing/2014/main" id="{60B383F7-52C5-4FB7-AEC3-35A48D7354A0}"/>
+                </a:ext>
+              </a:extLst>
+            </p:cNvPr>
+            <p:cNvPicPr>
+              <a:picLocks noChangeAspect="1"/>
+            </p:cNvPicPr>
+            <p:nvPr/>
+          </p:nvPicPr>
+          <p:blipFill>
+            <a:blip r:embed="rId2">
+              <a:extLst>
+                <a:ext uri="{28A0092B-C50C-407E-A947-70E740481C1C}">
+                  <a14:useLocalDpi xmlns:a14="http://schemas.microsoft.com/office/drawing/2010/main" val="0"/>
+                </a:ext>
+              </a:extLst>
+            </a:blip>
+            <a:stretch>
+              <a:fillRect/>
+            </a:stretch>
+          </p:blipFill>
+          <p:spPr>
+            <a:xfrm rot="16200000">
+              <a:off x="10600933" y="3247473"/>
+              <a:ext cx="530600" cy="530600"/>
+            </a:xfrm>
+            <a:prstGeom prst="rect">
+              <a:avLst/>
+            </a:prstGeom>
+          </p:spPr>
+        </p:pic>
+      </p:grpSp>
+      <p:grpSp>
+        <p:nvGrpSpPr>
+          <p:cNvPr id="60" name="Group 59">
+            <a:extLst>
+              <a:ext uri="{FF2B5EF4-FFF2-40B4-BE49-F238E27FC236}">
+                <a16:creationId xmlns:a16="http://schemas.microsoft.com/office/drawing/2014/main" id="{6F7667A6-1C16-4F0A-A162-61BD16E6BE6B}"/>
+              </a:ext>
+            </a:extLst>
+          </p:cNvPr>
+          <p:cNvGrpSpPr/>
+          <p:nvPr/>
+        </p:nvGrpSpPr>
+        <p:grpSpPr>
+          <a:xfrm>
+            <a:off x="-302276" y="0"/>
+            <a:ext cx="11447501" cy="6858000"/>
+            <a:chOff x="491575" y="0"/>
+            <a:chExt cx="9961092" cy="6858000"/>
+          </a:xfrm>
+        </p:grpSpPr>
+        <p:sp>
+          <p:nvSpPr>
+            <p:cNvPr id="61" name="Rectangle 60">
+              <a:extLst>
+                <a:ext uri="{FF2B5EF4-FFF2-40B4-BE49-F238E27FC236}">
+                  <a16:creationId xmlns:a16="http://schemas.microsoft.com/office/drawing/2014/main" id="{0E8C29A9-4AAB-442C-A7A4-40DCCE0A9694}"/>
+                </a:ext>
+              </a:extLst>
+            </p:cNvPr>
+            <p:cNvSpPr/>
+            <p:nvPr/>
+          </p:nvSpPr>
+          <p:spPr>
+            <a:xfrm>
+              <a:off x="491575" y="0"/>
+              <a:ext cx="9961092" cy="6858000"/>
+            </a:xfrm>
+            <a:prstGeom prst="rect">
+              <a:avLst/>
+            </a:prstGeom>
+            <a:solidFill>
+              <a:srgbClr val="F0EEF0"/>
+            </a:solidFill>
+            <a:ln>
+              <a:noFill/>
+            </a:ln>
+            <a:effectLst>
+              <a:outerShdw blurRad="215900" dist="38100" sx="101000" sy="101000" algn="l" rotWithShape="0">
+                <a:schemeClr val="tx1">
+                  <a:lumMod val="65000"/>
+                  <a:lumOff val="35000"/>
+                  <a:alpha val="35000"/>
+                </a:schemeClr>
+              </a:outerShdw>
+            </a:effectLst>
+          </p:spPr>
+          <p:style>
+            <a:lnRef idx="2">
+              <a:schemeClr val="accent1">
+                <a:shade val="50000"/>
+              </a:schemeClr>
+            </a:lnRef>
+            <a:fillRef idx="1">
+              <a:schemeClr val="accent1"/>
+            </a:fillRef>
+            <a:effectRef idx="0">
+              <a:schemeClr val="accent1"/>
+            </a:effectRef>
+            <a:fontRef idx="minor">
+              <a:schemeClr val="lt1"/>
+            </a:fontRef>
+          </p:style>
+          <p:txBody>
+            <a:bodyPr rtlCol="0" anchor="ctr"/>
+            <a:lstStyle/>
+            <a:p>
+              <a:pPr algn="ctr"/>
+              <a:endParaRPr lang="en-US" sz="2400">
+                <a:latin typeface="Arial Hebrew" charset="-79"/>
+                <a:ea typeface="Arial Hebrew" charset="-79"/>
+                <a:cs typeface="Arial Hebrew" charset="-79"/>
+              </a:endParaRPr>
+            </a:p>
+          </p:txBody>
+        </p:sp>
+        <p:sp>
+          <p:nvSpPr>
+            <p:cNvPr id="62" name="Freeform: Shape 61">
+              <a:extLst>
+                <a:ext uri="{FF2B5EF4-FFF2-40B4-BE49-F238E27FC236}">
+                  <a16:creationId xmlns:a16="http://schemas.microsoft.com/office/drawing/2014/main" id="{81520FE7-5699-4290-9C3C-51E0C60ECC6B}"/>
+                </a:ext>
+              </a:extLst>
+            </p:cNvPr>
+            <p:cNvSpPr/>
+            <p:nvPr/>
+          </p:nvSpPr>
+          <p:spPr>
+            <a:xfrm>
+              <a:off x="9284267" y="2337440"/>
+              <a:ext cx="1168400" cy="2360918"/>
+            </a:xfrm>
+            <a:custGeom>
+              <a:avLst/>
+              <a:gdLst>
+                <a:gd name="connsiteX0" fmla="*/ 1168400 w 1168400"/>
+                <a:gd name="connsiteY0" fmla="*/ 0 h 2360918"/>
+                <a:gd name="connsiteX1" fmla="*/ 1168400 w 1168400"/>
+                <a:gd name="connsiteY1" fmla="*/ 2360918 h 2360918"/>
+                <a:gd name="connsiteX2" fmla="*/ 1060340 w 1168400"/>
+                <a:gd name="connsiteY2" fmla="*/ 2355461 h 2360918"/>
+                <a:gd name="connsiteX3" fmla="*/ 0 w 1168400"/>
+                <a:gd name="connsiteY3" fmla="*/ 1180459 h 2360918"/>
+                <a:gd name="connsiteX4" fmla="*/ 1060340 w 1168400"/>
+                <a:gd name="connsiteY4" fmla="*/ 5457 h 2360918"/>
+              </a:gdLst>
+              <a:ahLst/>
+              <a:cxnLst>
+                <a:cxn ang="0">
+                  <a:pos x="connsiteX0" y="connsiteY0"/>
+                </a:cxn>
+                <a:cxn ang="0">
+                  <a:pos x="connsiteX1" y="connsiteY1"/>
+                </a:cxn>
+                <a:cxn ang="0">
+                  <a:pos x="connsiteX2" y="connsiteY2"/>
+                </a:cxn>
+                <a:cxn ang="0">
+                  <a:pos x="connsiteX3" y="connsiteY3"/>
+                </a:cxn>
+                <a:cxn ang="0">
+                  <a:pos x="connsiteX4" y="connsiteY4"/>
+                </a:cxn>
+              </a:cxnLst>
+              <a:rect l="l" t="t" r="r" b="b"/>
+              <a:pathLst>
+                <a:path w="1168400" h="2360918">
+                  <a:moveTo>
+                    <a:pt x="1168400" y="0"/>
+                  </a:moveTo>
+                  <a:lnTo>
+                    <a:pt x="1168400" y="2360918"/>
+                  </a:lnTo>
+                  <a:lnTo>
+                    <a:pt x="1060340" y="2355461"/>
+                  </a:lnTo>
+                  <a:cubicBezTo>
+                    <a:pt x="464762" y="2294977"/>
+                    <a:pt x="0" y="1791994"/>
+                    <a:pt x="0" y="1180459"/>
+                  </a:cubicBezTo>
+                  <a:cubicBezTo>
+                    <a:pt x="0" y="568924"/>
+                    <a:pt x="464762" y="65941"/>
+                    <a:pt x="1060340" y="5457"/>
+                  </a:cubicBezTo>
+                  <a:close/>
+                </a:path>
+              </a:pathLst>
+            </a:custGeom>
+            <a:solidFill>
+              <a:srgbClr val="FFC730"/>
+            </a:solidFill>
+            <a:ln>
+              <a:noFill/>
+            </a:ln>
+          </p:spPr>
+          <p:style>
+            <a:lnRef idx="2">
+              <a:schemeClr val="accent1">
+                <a:shade val="50000"/>
+              </a:schemeClr>
+            </a:lnRef>
+            <a:fillRef idx="1">
+              <a:schemeClr val="accent1"/>
+            </a:fillRef>
+            <a:effectRef idx="0">
+              <a:schemeClr val="accent1"/>
+            </a:effectRef>
+            <a:fontRef idx="minor">
+              <a:schemeClr val="lt1"/>
+            </a:fontRef>
+          </p:style>
+          <p:txBody>
+            <a:bodyPr rtlCol="0" anchor="ctr"/>
+            <a:lstStyle/>
+            <a:p>
+              <a:pPr algn="ctr"/>
+              <a:endParaRPr lang="en-US" sz="2400">
+                <a:latin typeface="Arial Hebrew" charset="-79"/>
+                <a:ea typeface="Arial Hebrew" charset="-79"/>
+                <a:cs typeface="Arial Hebrew" charset="-79"/>
+              </a:endParaRPr>
+            </a:p>
+          </p:txBody>
+        </p:sp>
+        <p:sp>
+          <p:nvSpPr>
+            <p:cNvPr id="63" name="TextBox 62">
+              <a:extLst>
+                <a:ext uri="{FF2B5EF4-FFF2-40B4-BE49-F238E27FC236}">
+                  <a16:creationId xmlns:a16="http://schemas.microsoft.com/office/drawing/2014/main" id="{AFD50D6F-822B-4109-8B0C-BA004A0B7145}"/>
+                </a:ext>
+              </a:extLst>
+            </p:cNvPr>
+            <p:cNvSpPr txBox="1"/>
+            <p:nvPr/>
+          </p:nvSpPr>
+          <p:spPr>
+            <a:xfrm rot="16200000">
+              <a:off x="9181803" y="3300028"/>
+              <a:ext cx="1992086" cy="461665"/>
+            </a:xfrm>
+            <a:prstGeom prst="rect">
+              <a:avLst/>
+            </a:prstGeom>
+            <a:noFill/>
+          </p:spPr>
+          <p:txBody>
+            <a:bodyPr wrap="square" rtlCol="0">
+              <a:spAutoFit/>
+            </a:bodyPr>
+            <a:lstStyle/>
+            <a:p>
+              <a:pPr algn="ctr"/>
+              <a:r>
+                <a:rPr lang="en-US" sz="2400" b="1">
+                  <a:solidFill>
+                    <a:srgbClr val="F0EEF0"/>
+                  </a:solidFill>
+                  <a:latin typeface="Arial Hebrew" charset="-79"/>
+                  <a:ea typeface="Arial Hebrew" charset="-79"/>
+                  <a:cs typeface="Arial Hebrew" charset="-79"/>
+                </a:rPr>
+                <a:t>Lý do</a:t>
+              </a:r>
+            </a:p>
+          </p:txBody>
+        </p:sp>
+        <p:pic>
+          <p:nvPicPr>
+            <p:cNvPr id="64" name="Picture 63">
+              <a:extLst>
+                <a:ext uri="{FF2B5EF4-FFF2-40B4-BE49-F238E27FC236}">
+                  <a16:creationId xmlns:a16="http://schemas.microsoft.com/office/drawing/2014/main" id="{0376C61F-147B-441E-B32E-45D5BC1B66B5}"/>
+                </a:ext>
+              </a:extLst>
+            </p:cNvPr>
+            <p:cNvPicPr>
+              <a:picLocks noChangeAspect="1"/>
+            </p:cNvPicPr>
+            <p:nvPr/>
+          </p:nvPicPr>
+          <p:blipFill>
+            <a:blip r:embed="rId2">
+              <a:extLst>
+                <a:ext uri="{28A0092B-C50C-407E-A947-70E740481C1C}">
+                  <a14:useLocalDpi xmlns:a14="http://schemas.microsoft.com/office/drawing/2010/main" val="0"/>
+                </a:ext>
+              </a:extLst>
+            </a:blip>
+            <a:stretch>
+              <a:fillRect/>
+            </a:stretch>
+          </p:blipFill>
+          <p:spPr>
+            <a:xfrm rot="16200000">
+              <a:off x="9385467" y="3247473"/>
+              <a:ext cx="530600" cy="530600"/>
+            </a:xfrm>
+            <a:prstGeom prst="rect">
+              <a:avLst/>
+            </a:prstGeom>
+          </p:spPr>
+        </p:pic>
+      </p:grpSp>
+      <p:grpSp>
+        <p:nvGrpSpPr>
+          <p:cNvPr id="71" name="Group 70">
+            <a:extLst>
+              <a:ext uri="{FF2B5EF4-FFF2-40B4-BE49-F238E27FC236}">
+                <a16:creationId xmlns:a16="http://schemas.microsoft.com/office/drawing/2014/main" id="{E7044FAB-DB4A-4E59-B111-8CA4168E7FA4}"/>
+              </a:ext>
+            </a:extLst>
+          </p:cNvPr>
+          <p:cNvGrpSpPr/>
+          <p:nvPr/>
+        </p:nvGrpSpPr>
+        <p:grpSpPr>
+          <a:xfrm>
+            <a:off x="-1251350" y="5725"/>
+            <a:ext cx="11860720" cy="6858000"/>
+            <a:chOff x="-2449883" y="-1"/>
+            <a:chExt cx="11860720" cy="6858000"/>
+          </a:xfrm>
+        </p:grpSpPr>
+        <p:sp>
+          <p:nvSpPr>
+            <p:cNvPr id="72" name="Rectangle 71">
+              <a:extLst>
+                <a:ext uri="{FF2B5EF4-FFF2-40B4-BE49-F238E27FC236}">
+                  <a16:creationId xmlns:a16="http://schemas.microsoft.com/office/drawing/2014/main" id="{824F072A-08CC-4CC6-B5EF-C1833A244FA3}"/>
+                </a:ext>
+              </a:extLst>
+            </p:cNvPr>
+            <p:cNvSpPr/>
+            <p:nvPr/>
+          </p:nvSpPr>
+          <p:spPr>
+            <a:xfrm>
+              <a:off x="-2449883" y="-1"/>
+              <a:ext cx="11860720" cy="6858000"/>
+            </a:xfrm>
+            <a:prstGeom prst="rect">
+              <a:avLst/>
+            </a:prstGeom>
+            <a:solidFill>
+              <a:srgbClr val="F0EEF0"/>
+            </a:solidFill>
+            <a:ln>
+              <a:noFill/>
+            </a:ln>
+            <a:effectLst>
+              <a:outerShdw blurRad="215900" dist="38100" sx="101000" sy="101000" algn="l" rotWithShape="0">
+                <a:schemeClr val="tx1">
+                  <a:lumMod val="65000"/>
+                  <a:lumOff val="35000"/>
+                  <a:alpha val="35000"/>
+                </a:schemeClr>
+              </a:outerShdw>
+            </a:effectLst>
+          </p:spPr>
+          <p:style>
+            <a:lnRef idx="2">
+              <a:schemeClr val="accent1">
+                <a:shade val="50000"/>
+              </a:schemeClr>
+            </a:lnRef>
+            <a:fillRef idx="1">
+              <a:schemeClr val="accent1"/>
+            </a:fillRef>
+            <a:effectRef idx="0">
+              <a:schemeClr val="accent1"/>
+            </a:effectRef>
+            <a:fontRef idx="minor">
+              <a:schemeClr val="lt1"/>
+            </a:fontRef>
+          </p:style>
+          <p:txBody>
+            <a:bodyPr rtlCol="0" anchor="ctr"/>
+            <a:lstStyle/>
+            <a:p>
+              <a:pPr algn="ctr"/>
+              <a:endParaRPr lang="en-US" sz="2400">
+                <a:latin typeface="Arial Hebrew" charset="-79"/>
+                <a:ea typeface="Arial Hebrew" charset="-79"/>
+                <a:cs typeface="Arial Hebrew" charset="-79"/>
+              </a:endParaRPr>
+            </a:p>
+          </p:txBody>
+        </p:sp>
+        <p:sp>
+          <p:nvSpPr>
+            <p:cNvPr id="73" name="Freeform: Shape 72">
+              <a:extLst>
+                <a:ext uri="{FF2B5EF4-FFF2-40B4-BE49-F238E27FC236}">
+                  <a16:creationId xmlns:a16="http://schemas.microsoft.com/office/drawing/2014/main" id="{A3C6C4A9-8B6A-429B-980E-26CD0C3A573E}"/>
+                </a:ext>
+              </a:extLst>
+            </p:cNvPr>
+            <p:cNvSpPr/>
+            <p:nvPr/>
+          </p:nvSpPr>
+          <p:spPr>
+            <a:xfrm>
+              <a:off x="8242436" y="2337439"/>
+              <a:ext cx="1168400" cy="2360918"/>
+            </a:xfrm>
+            <a:custGeom>
+              <a:avLst/>
+              <a:gdLst>
+                <a:gd name="connsiteX0" fmla="*/ 1168400 w 1168400"/>
+                <a:gd name="connsiteY0" fmla="*/ 0 h 2360918"/>
+                <a:gd name="connsiteX1" fmla="*/ 1168400 w 1168400"/>
+                <a:gd name="connsiteY1" fmla="*/ 2360918 h 2360918"/>
+                <a:gd name="connsiteX2" fmla="*/ 1060340 w 1168400"/>
+                <a:gd name="connsiteY2" fmla="*/ 2355461 h 2360918"/>
+                <a:gd name="connsiteX3" fmla="*/ 0 w 1168400"/>
+                <a:gd name="connsiteY3" fmla="*/ 1180459 h 2360918"/>
+                <a:gd name="connsiteX4" fmla="*/ 1060340 w 1168400"/>
+                <a:gd name="connsiteY4" fmla="*/ 5457 h 2360918"/>
+              </a:gdLst>
+              <a:ahLst/>
+              <a:cxnLst>
+                <a:cxn ang="0">
+                  <a:pos x="connsiteX0" y="connsiteY0"/>
+                </a:cxn>
+                <a:cxn ang="0">
+                  <a:pos x="connsiteX1" y="connsiteY1"/>
+                </a:cxn>
+                <a:cxn ang="0">
+                  <a:pos x="connsiteX2" y="connsiteY2"/>
+                </a:cxn>
+                <a:cxn ang="0">
+                  <a:pos x="connsiteX3" y="connsiteY3"/>
+                </a:cxn>
+                <a:cxn ang="0">
+                  <a:pos x="connsiteX4" y="connsiteY4"/>
+                </a:cxn>
+              </a:cxnLst>
+              <a:rect l="l" t="t" r="r" b="b"/>
+              <a:pathLst>
+                <a:path w="1168400" h="2360918">
+                  <a:moveTo>
+                    <a:pt x="1168400" y="0"/>
+                  </a:moveTo>
+                  <a:lnTo>
+                    <a:pt x="1168400" y="2360918"/>
+                  </a:lnTo>
+                  <a:lnTo>
+                    <a:pt x="1060340" y="2355461"/>
+                  </a:lnTo>
+                  <a:cubicBezTo>
+                    <a:pt x="464762" y="2294977"/>
+                    <a:pt x="0" y="1791994"/>
+                    <a:pt x="0" y="1180459"/>
+                  </a:cubicBezTo>
+                  <a:cubicBezTo>
+                    <a:pt x="0" y="568924"/>
+                    <a:pt x="464762" y="65941"/>
+                    <a:pt x="1060340" y="5457"/>
+                  </a:cubicBezTo>
+                  <a:close/>
+                </a:path>
+              </a:pathLst>
+            </a:custGeom>
+            <a:solidFill>
+              <a:srgbClr val="92D050"/>
+            </a:solidFill>
+            <a:ln>
+              <a:noFill/>
+            </a:ln>
+          </p:spPr>
+          <p:style>
+            <a:lnRef idx="2">
+              <a:schemeClr val="accent1">
+                <a:shade val="50000"/>
+              </a:schemeClr>
+            </a:lnRef>
+            <a:fillRef idx="1">
+              <a:schemeClr val="accent1"/>
+            </a:fillRef>
+            <a:effectRef idx="0">
+              <a:schemeClr val="accent1"/>
+            </a:effectRef>
+            <a:fontRef idx="minor">
+              <a:schemeClr val="lt1"/>
+            </a:fontRef>
+          </p:style>
+          <p:txBody>
+            <a:bodyPr rtlCol="0" anchor="ctr"/>
+            <a:lstStyle/>
+            <a:p>
+              <a:pPr algn="ctr"/>
+              <a:endParaRPr lang="en-US" sz="2400">
+                <a:latin typeface="Arial Hebrew" charset="-79"/>
+                <a:ea typeface="Arial Hebrew" charset="-79"/>
+                <a:cs typeface="Arial Hebrew" charset="-79"/>
+              </a:endParaRPr>
+            </a:p>
+          </p:txBody>
+        </p:sp>
+        <p:sp>
+          <p:nvSpPr>
+            <p:cNvPr id="74" name="TextBox 73">
+              <a:extLst>
+                <a:ext uri="{FF2B5EF4-FFF2-40B4-BE49-F238E27FC236}">
+                  <a16:creationId xmlns:a16="http://schemas.microsoft.com/office/drawing/2014/main" id="{858AC381-BFD1-4A89-AE49-8ADC853A6849}"/>
+                </a:ext>
+              </a:extLst>
+            </p:cNvPr>
+            <p:cNvSpPr txBox="1"/>
+            <p:nvPr/>
+          </p:nvSpPr>
+          <p:spPr>
+            <a:xfrm rot="16200000">
+              <a:off x="8091629" y="3281941"/>
+              <a:ext cx="1992086" cy="461665"/>
+            </a:xfrm>
+            <a:prstGeom prst="rect">
+              <a:avLst/>
+            </a:prstGeom>
+            <a:noFill/>
+          </p:spPr>
+          <p:txBody>
+            <a:bodyPr wrap="square" rtlCol="0">
+              <a:spAutoFit/>
+            </a:bodyPr>
+            <a:lstStyle/>
+            <a:p>
+              <a:pPr algn="ctr"/>
+              <a:r>
+                <a:rPr lang="en-US" sz="2400" b="1">
+                  <a:solidFill>
+                    <a:srgbClr val="F0EEF0"/>
+                  </a:solidFill>
+                  <a:latin typeface="Arial Hebrew" charset="-79"/>
+                  <a:ea typeface="Arial Hebrew" charset="-79"/>
+                  <a:cs typeface="Arial Hebrew" charset="-79"/>
+                </a:rPr>
+                <a:t>React native</a:t>
+              </a:r>
+            </a:p>
+          </p:txBody>
+        </p:sp>
+        <p:pic>
+          <p:nvPicPr>
+            <p:cNvPr id="75" name="Picture 74">
+              <a:extLst>
+                <a:ext uri="{FF2B5EF4-FFF2-40B4-BE49-F238E27FC236}">
+                  <a16:creationId xmlns:a16="http://schemas.microsoft.com/office/drawing/2014/main" id="{9DF2E944-82FA-495B-8A5C-9BDE26355383}"/>
+                </a:ext>
+              </a:extLst>
+            </p:cNvPr>
+            <p:cNvPicPr>
+              <a:picLocks noChangeAspect="1"/>
+            </p:cNvPicPr>
+            <p:nvPr/>
+          </p:nvPicPr>
+          <p:blipFill>
+            <a:blip r:embed="rId2">
+              <a:extLst>
+                <a:ext uri="{28A0092B-C50C-407E-A947-70E740481C1C}">
+                  <a14:useLocalDpi xmlns:a14="http://schemas.microsoft.com/office/drawing/2010/main" val="0"/>
+                </a:ext>
+              </a:extLst>
+            </a:blip>
+            <a:stretch>
+              <a:fillRect/>
+            </a:stretch>
+          </p:blipFill>
+          <p:spPr>
+            <a:xfrm rot="16200000">
+              <a:off x="8340472" y="3247473"/>
+              <a:ext cx="530600" cy="530600"/>
+            </a:xfrm>
+            <a:prstGeom prst="rect">
+              <a:avLst/>
+            </a:prstGeom>
+          </p:spPr>
+        </p:pic>
+      </p:grpSp>
+      <p:grpSp>
+        <p:nvGrpSpPr>
+          <p:cNvPr id="76" name="Group 75">
+            <a:extLst>
+              <a:ext uri="{FF2B5EF4-FFF2-40B4-BE49-F238E27FC236}">
+                <a16:creationId xmlns:a16="http://schemas.microsoft.com/office/drawing/2014/main" id="{60E31D48-090A-4A9C-AF5C-4B0C49C47C7D}"/>
+              </a:ext>
+            </a:extLst>
+          </p:cNvPr>
+          <p:cNvGrpSpPr/>
+          <p:nvPr/>
+        </p:nvGrpSpPr>
+        <p:grpSpPr>
+          <a:xfrm>
+            <a:off x="-1243564" y="-1849"/>
+            <a:ext cx="11335017" cy="6858000"/>
+            <a:chOff x="-10744545" y="-1"/>
+            <a:chExt cx="11335017" cy="6858000"/>
+          </a:xfrm>
+        </p:grpSpPr>
+        <p:sp>
+          <p:nvSpPr>
+            <p:cNvPr id="77" name="Rectangle 76">
+              <a:extLst>
+                <a:ext uri="{FF2B5EF4-FFF2-40B4-BE49-F238E27FC236}">
+                  <a16:creationId xmlns:a16="http://schemas.microsoft.com/office/drawing/2014/main" id="{3A79A714-CB74-4EFD-9BC1-A7F2F993842A}"/>
+                </a:ext>
+              </a:extLst>
+            </p:cNvPr>
+            <p:cNvSpPr/>
+            <p:nvPr/>
+          </p:nvSpPr>
+          <p:spPr>
+            <a:xfrm>
+              <a:off x="-10744545" y="-1"/>
+              <a:ext cx="11331017" cy="6858000"/>
+            </a:xfrm>
+            <a:prstGeom prst="rect">
+              <a:avLst/>
+            </a:prstGeom>
+            <a:solidFill>
+              <a:srgbClr val="F0EEF0"/>
+            </a:solidFill>
+            <a:ln>
+              <a:noFill/>
+            </a:ln>
+            <a:effectLst>
+              <a:outerShdw blurRad="215900" dist="38100" sx="101000" sy="101000" algn="l" rotWithShape="0">
+                <a:schemeClr val="tx1">
+                  <a:lumMod val="65000"/>
+                  <a:lumOff val="35000"/>
+                  <a:alpha val="35000"/>
+                </a:schemeClr>
+              </a:outerShdw>
+            </a:effectLst>
+          </p:spPr>
+          <p:style>
+            <a:lnRef idx="2">
+              <a:schemeClr val="accent1">
+                <a:shade val="50000"/>
+              </a:schemeClr>
+            </a:lnRef>
+            <a:fillRef idx="1">
+              <a:schemeClr val="accent1"/>
+            </a:fillRef>
+            <a:effectRef idx="0">
+              <a:schemeClr val="accent1"/>
+            </a:effectRef>
+            <a:fontRef idx="minor">
+              <a:schemeClr val="lt1"/>
+            </a:fontRef>
+          </p:style>
+          <p:txBody>
+            <a:bodyPr rtlCol="0" anchor="ctr"/>
+            <a:lstStyle/>
+            <a:p>
+              <a:pPr algn="ctr"/>
+              <a:endParaRPr lang="en-US" sz="4800">
+                <a:solidFill>
+                  <a:srgbClr val="FF0000"/>
+                </a:solidFill>
+                <a:latin typeface="Arial Hebrew" charset="-79"/>
+                <a:ea typeface="Arial Hebrew" charset="-79"/>
+                <a:cs typeface="Arial Hebrew" charset="-79"/>
+              </a:endParaRPr>
+            </a:p>
+          </p:txBody>
+        </p:sp>
+        <p:sp>
+          <p:nvSpPr>
+            <p:cNvPr id="78" name="Freeform: Shape 77">
+              <a:extLst>
+                <a:ext uri="{FF2B5EF4-FFF2-40B4-BE49-F238E27FC236}">
+                  <a16:creationId xmlns:a16="http://schemas.microsoft.com/office/drawing/2014/main" id="{B006C60A-833A-41C2-A553-8132E7B3A7DB}"/>
+                </a:ext>
+              </a:extLst>
+            </p:cNvPr>
+            <p:cNvSpPr/>
+            <p:nvPr/>
+          </p:nvSpPr>
+          <p:spPr>
+            <a:xfrm>
+              <a:off x="-577928" y="2337438"/>
+              <a:ext cx="1168400" cy="2360918"/>
+            </a:xfrm>
+            <a:custGeom>
+              <a:avLst/>
+              <a:gdLst>
+                <a:gd name="connsiteX0" fmla="*/ 1168400 w 1168400"/>
+                <a:gd name="connsiteY0" fmla="*/ 0 h 2360918"/>
+                <a:gd name="connsiteX1" fmla="*/ 1168400 w 1168400"/>
+                <a:gd name="connsiteY1" fmla="*/ 2360918 h 2360918"/>
+                <a:gd name="connsiteX2" fmla="*/ 1060340 w 1168400"/>
+                <a:gd name="connsiteY2" fmla="*/ 2355461 h 2360918"/>
+                <a:gd name="connsiteX3" fmla="*/ 0 w 1168400"/>
+                <a:gd name="connsiteY3" fmla="*/ 1180459 h 2360918"/>
+                <a:gd name="connsiteX4" fmla="*/ 1060340 w 1168400"/>
+                <a:gd name="connsiteY4" fmla="*/ 5457 h 2360918"/>
+              </a:gdLst>
+              <a:ahLst/>
+              <a:cxnLst>
+                <a:cxn ang="0">
+                  <a:pos x="connsiteX0" y="connsiteY0"/>
+                </a:cxn>
+                <a:cxn ang="0">
+                  <a:pos x="connsiteX1" y="connsiteY1"/>
+                </a:cxn>
+                <a:cxn ang="0">
+                  <a:pos x="connsiteX2" y="connsiteY2"/>
+                </a:cxn>
+                <a:cxn ang="0">
+                  <a:pos x="connsiteX3" y="connsiteY3"/>
+                </a:cxn>
+                <a:cxn ang="0">
+                  <a:pos x="connsiteX4" y="connsiteY4"/>
+                </a:cxn>
+              </a:cxnLst>
+              <a:rect l="l" t="t" r="r" b="b"/>
+              <a:pathLst>
+                <a:path w="1168400" h="2360918">
+                  <a:moveTo>
+                    <a:pt x="1168400" y="0"/>
+                  </a:moveTo>
+                  <a:lnTo>
+                    <a:pt x="1168400" y="2360918"/>
+                  </a:lnTo>
+                  <a:lnTo>
+                    <a:pt x="1060340" y="2355461"/>
+                  </a:lnTo>
+                  <a:cubicBezTo>
+                    <a:pt x="464762" y="2294977"/>
+                    <a:pt x="0" y="1791994"/>
+                    <a:pt x="0" y="1180459"/>
+                  </a:cubicBezTo>
+                  <a:cubicBezTo>
+                    <a:pt x="0" y="568924"/>
+                    <a:pt x="464762" y="65941"/>
+                    <a:pt x="1060340" y="5457"/>
+                  </a:cubicBezTo>
+                  <a:close/>
+                </a:path>
+              </a:pathLst>
+            </a:custGeom>
+            <a:solidFill>
+              <a:srgbClr val="00A0A8"/>
+            </a:solidFill>
+            <a:ln>
+              <a:noFill/>
+            </a:ln>
+          </p:spPr>
+          <p:style>
+            <a:lnRef idx="2">
+              <a:schemeClr val="accent1">
+                <a:shade val="50000"/>
+              </a:schemeClr>
+            </a:lnRef>
+            <a:fillRef idx="1">
+              <a:schemeClr val="accent1"/>
+            </a:fillRef>
+            <a:effectRef idx="0">
+              <a:schemeClr val="accent1"/>
+            </a:effectRef>
+            <a:fontRef idx="minor">
+              <a:schemeClr val="lt1"/>
+            </a:fontRef>
+          </p:style>
+          <p:txBody>
+            <a:bodyPr rtlCol="0" anchor="ctr"/>
+            <a:lstStyle/>
+            <a:p>
+              <a:pPr algn="ctr"/>
+              <a:endParaRPr lang="en-US" sz="2400">
+                <a:latin typeface="Arial Hebrew" charset="-79"/>
+                <a:ea typeface="Arial Hebrew" charset="-79"/>
+                <a:cs typeface="Arial Hebrew" charset="-79"/>
+              </a:endParaRPr>
+            </a:p>
+          </p:txBody>
+        </p:sp>
+        <p:sp>
+          <p:nvSpPr>
+            <p:cNvPr id="79" name="TextBox 78">
+              <a:extLst>
+                <a:ext uri="{FF2B5EF4-FFF2-40B4-BE49-F238E27FC236}">
+                  <a16:creationId xmlns:a16="http://schemas.microsoft.com/office/drawing/2014/main" id="{95AECC6C-A520-4756-9163-08D14835D791}"/>
+                </a:ext>
+              </a:extLst>
+            </p:cNvPr>
+            <p:cNvSpPr txBox="1"/>
+            <p:nvPr/>
+          </p:nvSpPr>
+          <p:spPr>
+            <a:xfrm rot="16200000">
+              <a:off x="-738260" y="3281941"/>
+              <a:ext cx="1992086" cy="461665"/>
+            </a:xfrm>
+            <a:prstGeom prst="rect">
+              <a:avLst/>
+            </a:prstGeom>
+            <a:noFill/>
+          </p:spPr>
+          <p:txBody>
+            <a:bodyPr wrap="square" rtlCol="0">
+              <a:spAutoFit/>
+            </a:bodyPr>
+            <a:lstStyle/>
+            <a:p>
+              <a:pPr algn="ctr"/>
+              <a:r>
+                <a:rPr lang="en-US" sz="2400" b="1">
+                  <a:solidFill>
+                    <a:srgbClr val="F0EEF0"/>
+                  </a:solidFill>
+                  <a:latin typeface="Arial Hebrew" charset="-79"/>
+                  <a:ea typeface="Arial Hebrew" charset="-79"/>
+                  <a:cs typeface="Arial Hebrew" charset="-79"/>
+                </a:rPr>
+                <a:t>Ứng dụng</a:t>
+              </a:r>
+            </a:p>
+          </p:txBody>
+        </p:sp>
+        <p:pic>
+          <p:nvPicPr>
+            <p:cNvPr id="80" name="Picture 79">
+              <a:extLst>
+                <a:ext uri="{FF2B5EF4-FFF2-40B4-BE49-F238E27FC236}">
+                  <a16:creationId xmlns:a16="http://schemas.microsoft.com/office/drawing/2014/main" id="{0F8A56B9-A504-4035-8439-53ED4617B8B4}"/>
+                </a:ext>
+              </a:extLst>
+            </p:cNvPr>
+            <p:cNvPicPr>
+              <a:picLocks noChangeAspect="1"/>
+            </p:cNvPicPr>
+            <p:nvPr/>
+          </p:nvPicPr>
+          <p:blipFill>
+            <a:blip r:embed="rId2">
+              <a:extLst>
+                <a:ext uri="{28A0092B-C50C-407E-A947-70E740481C1C}">
+                  <a14:useLocalDpi xmlns:a14="http://schemas.microsoft.com/office/drawing/2010/main" val="0"/>
+                </a:ext>
+              </a:extLst>
+            </a:blip>
+            <a:stretch>
+              <a:fillRect/>
+            </a:stretch>
+          </p:blipFill>
+          <p:spPr>
+            <a:xfrm rot="16200000">
+              <a:off x="-491912" y="3247473"/>
+              <a:ext cx="530600" cy="530600"/>
+            </a:xfrm>
+            <a:prstGeom prst="rect">
+              <a:avLst/>
+            </a:prstGeom>
+          </p:spPr>
+        </p:pic>
+      </p:grpSp>
+      <p:sp>
+        <p:nvSpPr>
+          <p:cNvPr id="2" name="Rectangle 1">
+            <a:extLst>
+              <a:ext uri="{FF2B5EF4-FFF2-40B4-BE49-F238E27FC236}">
+                <a16:creationId xmlns:a16="http://schemas.microsoft.com/office/drawing/2014/main" id="{F84AC57B-3522-41D6-AA95-516C9924E2C8}"/>
+              </a:ext>
+            </a:extLst>
+          </p:cNvPr>
+          <p:cNvSpPr/>
+          <p:nvPr/>
+        </p:nvSpPr>
+        <p:spPr>
+          <a:xfrm>
+            <a:off x="2169893" y="2551837"/>
+            <a:ext cx="7852214" cy="1754326"/>
           </a:xfrm>
           <a:prstGeom prst="rect">
             <a:avLst/>
           </a:prstGeom>
           <a:noFill/>
-          <a:extLst>
-            <a:ext uri="{909E8E84-426E-40DD-AFC4-6F175D3DCCD1}">
-              <a14:hiddenFill xmlns:a14="http://schemas.microsoft.com/office/drawing/2010/main">
+        </p:spPr>
+        <p:txBody>
+          <a:bodyPr wrap="none" lIns="91440" tIns="45720" rIns="91440" bIns="45720">
+            <a:spAutoFit/>
+          </a:bodyPr>
+          <a:lstStyle/>
+          <a:p>
+            <a:pPr algn="ctr"/>
+            <a:r>
+              <a:rPr lang="en-US" sz="5400" b="1">
+                <a:ln w="9525">
+                  <a:solidFill>
+                    <a:schemeClr val="bg1"/>
+                  </a:solidFill>
+                  <a:prstDash val="solid"/>
+                </a:ln>
                 <a:solidFill>
-                  <a:srgbClr val="FFFFFF"/>
+                  <a:schemeClr val="accent5"/>
                 </a:solidFill>
-              </a14:hiddenFill>
-            </a:ext>
-          </a:extLst>
-        </p:spPr>
-      </p:pic>
+                <a:effectLst>
+                  <a:outerShdw blurRad="12700" dist="38100" dir="2700000" algn="tl" rotWithShape="0">
+                    <a:schemeClr val="accent5">
+                      <a:lumMod val="60000"/>
+                      <a:lumOff val="40000"/>
+                    </a:schemeClr>
+                  </a:outerShdw>
+                </a:effectLst>
+              </a:rPr>
+              <a:t>Cảm </a:t>
+            </a:r>
+            <a:r>
+              <a:rPr lang="vi-VN" sz="5400" b="1">
+                <a:ln w="9525">
+                  <a:solidFill>
+                    <a:schemeClr val="bg1"/>
+                  </a:solidFill>
+                  <a:prstDash val="solid"/>
+                </a:ln>
+                <a:solidFill>
+                  <a:schemeClr val="accent5"/>
+                </a:solidFill>
+                <a:effectLst>
+                  <a:outerShdw blurRad="12700" dist="38100" dir="2700000" algn="tl" rotWithShape="0">
+                    <a:schemeClr val="accent5">
+                      <a:lumMod val="60000"/>
+                      <a:lumOff val="40000"/>
+                    </a:schemeClr>
+                  </a:outerShdw>
+                </a:effectLst>
+              </a:rPr>
+              <a:t>ơ</a:t>
+            </a:r>
+            <a:r>
+              <a:rPr lang="en-US" sz="5400" b="1">
+                <a:ln w="9525">
+                  <a:solidFill>
+                    <a:schemeClr val="bg1"/>
+                  </a:solidFill>
+                  <a:prstDash val="solid"/>
+                </a:ln>
+                <a:solidFill>
+                  <a:schemeClr val="accent5"/>
+                </a:solidFill>
+                <a:effectLst>
+                  <a:outerShdw blurRad="12700" dist="38100" dir="2700000" algn="tl" rotWithShape="0">
+                    <a:schemeClr val="accent5">
+                      <a:lumMod val="60000"/>
+                      <a:lumOff val="40000"/>
+                    </a:schemeClr>
+                  </a:outerShdw>
+                </a:effectLst>
+              </a:rPr>
+              <a:t>n thầy cô và các bạn</a:t>
+            </a:r>
+          </a:p>
+          <a:p>
+            <a:pPr algn="ctr"/>
+            <a:r>
+              <a:rPr lang="en-US" sz="5400" b="1">
+                <a:ln w="9525">
+                  <a:solidFill>
+                    <a:schemeClr val="bg1"/>
+                  </a:solidFill>
+                  <a:prstDash val="solid"/>
+                </a:ln>
+                <a:solidFill>
+                  <a:schemeClr val="accent5"/>
+                </a:solidFill>
+                <a:effectLst>
+                  <a:outerShdw blurRad="12700" dist="38100" dir="2700000" algn="tl" rotWithShape="0">
+                    <a:schemeClr val="accent5">
+                      <a:lumMod val="60000"/>
+                      <a:lumOff val="40000"/>
+                    </a:schemeClr>
+                  </a:outerShdw>
+                </a:effectLst>
+              </a:rPr>
+              <a:t>đã lắng nghe</a:t>
+            </a:r>
+          </a:p>
+        </p:txBody>
+      </p:sp>
     </p:spTree>
     <p:extLst>
       <p:ext uri="{BB962C8B-B14F-4D97-AF65-F5344CB8AC3E}">
-        <p14:creationId xmlns:p14="http://schemas.microsoft.com/office/powerpoint/2010/main" val="276098399"/>
+        <p14:creationId xmlns:p14="http://schemas.microsoft.com/office/powerpoint/2010/main" val="3191676041"/>
       </p:ext>
     </p:extLst>
   </p:cSld>
   <p:clrMapOvr>
     <a:masterClrMapping/>
   </p:clrMapOvr>
+  <mc:AlternateContent xmlns:mc="http://schemas.openxmlformats.org/markup-compatibility/2006" xmlns:p159="http://schemas.microsoft.com/office/powerpoint/2015/09/main">
+    <mc:Choice Requires="p159">
+      <p:transition spd="med">
+        <p159:morph option="byObject"/>
+      </p:transition>
+    </mc:Choice>
+    <mc:Fallback xmlns="">
+      <p:transition spd="med">
+        <p:fade/>
+      </p:transition>
+    </mc:Fallback>
+  </mc:AlternateContent>
+  <p:timing>
+    <p:tnLst>
+      <p:par>
+        <p:cTn id="1" dur="indefinite" restart="never" nodeType="tmRoot">
+          <p:childTnLst>
+            <p:seq concurrent="1" nextAc="seek">
+              <p:cTn id="2" dur="indefinite" nodeType="mainSeq">
+                <p:childTnLst>
+                  <p:par>
+                    <p:cTn id="3" fill="hold">
+                      <p:stCondLst>
+                        <p:cond delay="indefinite"/>
+                        <p:cond evt="onBegin" delay="0">
+                          <p:tn val="2"/>
+                        </p:cond>
+                      </p:stCondLst>
+                      <p:childTnLst>
+                        <p:par>
+                          <p:cTn id="4" fill="hold">
+                            <p:stCondLst>
+                              <p:cond delay="0"/>
+                            </p:stCondLst>
+                            <p:childTnLst>
+                              <p:par>
+                                <p:cTn id="5" presetID="42" presetClass="path" presetSubtype="0" accel="50000" decel="50000" fill="hold" nodeType="afterEffect">
+                                  <p:stCondLst>
+                                    <p:cond delay="250"/>
+                                  </p:stCondLst>
+                                  <p:childTnLst>
+                                    <p:animMotion origin="layout" path="M -6.25E-7 1.48148E-6 L -0.92943 0.00023 " pathEditMode="relative" rAng="0" ptsTypes="AA">
+                                      <p:cBhvr>
+                                        <p:cTn id="6" dur="1000" fill="hold"/>
+                                        <p:tgtEl>
+                                          <p:spTgt spid="76"/>
+                                        </p:tgtEl>
+                                        <p:attrNameLst>
+                                          <p:attrName>ppt_x</p:attrName>
+                                          <p:attrName>ppt_y</p:attrName>
+                                        </p:attrNameLst>
+                                      </p:cBhvr>
+                                      <p:rCtr x="-46471" y="0"/>
+                                    </p:animMotion>
+                                  </p:childTnLst>
+                                </p:cTn>
+                              </p:par>
+                            </p:childTnLst>
+                          </p:cTn>
+                        </p:par>
+                        <p:par>
+                          <p:cTn id="7" fill="hold">
+                            <p:stCondLst>
+                              <p:cond delay="1250"/>
+                            </p:stCondLst>
+                            <p:childTnLst>
+                              <p:par>
+                                <p:cTn id="8" presetID="42" presetClass="path" presetSubtype="0" accel="50000" decel="50000" fill="hold" nodeType="afterEffect">
+                                  <p:stCondLst>
+                                    <p:cond delay="0"/>
+                                  </p:stCondLst>
+                                  <p:childTnLst>
+                                    <p:animMotion origin="layout" path="M -3.95833E-6 4.07407E-6 L -0.97278 -0.00093 " pathEditMode="relative" rAng="0" ptsTypes="AA">
+                                      <p:cBhvr>
+                                        <p:cTn id="9" dur="1000" fill="hold"/>
+                                        <p:tgtEl>
+                                          <p:spTgt spid="71"/>
+                                        </p:tgtEl>
+                                        <p:attrNameLst>
+                                          <p:attrName>ppt_x</p:attrName>
+                                          <p:attrName>ppt_y</p:attrName>
+                                        </p:attrNameLst>
+                                      </p:cBhvr>
+                                      <p:rCtr x="-48633" y="-46"/>
+                                    </p:animMotion>
+                                  </p:childTnLst>
+                                </p:cTn>
+                              </p:par>
+                            </p:childTnLst>
+                          </p:cTn>
+                        </p:par>
+                        <p:par>
+                          <p:cTn id="10" fill="hold">
+                            <p:stCondLst>
+                              <p:cond delay="2250"/>
+                            </p:stCondLst>
+                            <p:childTnLst>
+                              <p:par>
+                                <p:cTn id="11" presetID="42" presetClass="path" presetSubtype="0" accel="50000" decel="50000" fill="hold" nodeType="afterEffect">
+                                  <p:stCondLst>
+                                    <p:cond delay="250"/>
+                                  </p:stCondLst>
+                                  <p:childTnLst>
+                                    <p:animMotion origin="layout" path="M -1.45833E-6 0 L -1.0181 0 " pathEditMode="relative" rAng="0" ptsTypes="AA">
+                                      <p:cBhvr>
+                                        <p:cTn id="12" dur="1000" fill="hold"/>
+                                        <p:tgtEl>
+                                          <p:spTgt spid="60"/>
+                                        </p:tgtEl>
+                                        <p:attrNameLst>
+                                          <p:attrName>ppt_x</p:attrName>
+                                          <p:attrName>ppt_y</p:attrName>
+                                        </p:attrNameLst>
+                                      </p:cBhvr>
+                                      <p:rCtr x="-50898" y="0"/>
+                                    </p:animMotion>
+                                  </p:childTnLst>
+                                </p:cTn>
+                              </p:par>
+                            </p:childTnLst>
+                          </p:cTn>
+                        </p:par>
+                        <p:par>
+                          <p:cTn id="13" fill="hold">
+                            <p:stCondLst>
+                              <p:cond delay="3500"/>
+                            </p:stCondLst>
+                            <p:childTnLst>
+                              <p:par>
+                                <p:cTn id="14" presetID="42" presetClass="path" presetSubtype="0" accel="50000" decel="50000" fill="hold" nodeType="afterEffect">
+                                  <p:stCondLst>
+                                    <p:cond delay="250"/>
+                                  </p:stCondLst>
+                                  <p:childTnLst>
+                                    <p:animMotion origin="layout" path="M -4.375E-6 0 L -1.06458 0 " pathEditMode="relative" rAng="0" ptsTypes="AA">
+                                      <p:cBhvr>
+                                        <p:cTn id="15" dur="1000" fill="hold"/>
+                                        <p:tgtEl>
+                                          <p:spTgt spid="55"/>
+                                        </p:tgtEl>
+                                        <p:attrNameLst>
+                                          <p:attrName>ppt_x</p:attrName>
+                                          <p:attrName>ppt_y</p:attrName>
+                                        </p:attrNameLst>
+                                      </p:cBhvr>
+                                      <p:rCtr x="-53229" y="0"/>
+                                    </p:animMotion>
+                                  </p:childTnLst>
+                                </p:cTn>
+                              </p:par>
+                            </p:childTnLst>
+                          </p:cTn>
+                        </p:par>
+                        <p:par>
+                          <p:cTn id="16" fill="hold">
+                            <p:stCondLst>
+                              <p:cond delay="4750"/>
+                            </p:stCondLst>
+                            <p:childTnLst>
+                              <p:par>
+                                <p:cTn id="17" presetID="42" presetClass="path" presetSubtype="0" accel="50000" decel="50000" fill="hold" nodeType="afterEffect">
+                                  <p:stCondLst>
+                                    <p:cond delay="250"/>
+                                  </p:stCondLst>
+                                  <p:childTnLst>
+                                    <p:animMotion origin="layout" path="M -8.33333E-7 0 L -1.10208 0 " pathEditMode="relative" rAng="0" ptsTypes="AA">
+                                      <p:cBhvr>
+                                        <p:cTn id="18" dur="1000" fill="hold"/>
+                                        <p:tgtEl>
+                                          <p:spTgt spid="50"/>
+                                        </p:tgtEl>
+                                        <p:attrNameLst>
+                                          <p:attrName>ppt_x</p:attrName>
+                                          <p:attrName>ppt_y</p:attrName>
+                                        </p:attrNameLst>
+                                      </p:cBhvr>
+                                      <p:rCtr x="-55104" y="0"/>
+                                    </p:animMotion>
+                                  </p:childTnLst>
+                                </p:cTn>
+                              </p:par>
+                            </p:childTnLst>
+                          </p:cTn>
+                        </p:par>
+                        <p:par>
+                          <p:cTn id="19" fill="hold">
+                            <p:stCondLst>
+                              <p:cond delay="6000"/>
+                            </p:stCondLst>
+                            <p:childTnLst>
+                              <p:par>
+                                <p:cTn id="20" presetID="22" presetClass="entr" presetSubtype="2" fill="hold" grpId="0" nodeType="afterEffect">
+                                  <p:stCondLst>
+                                    <p:cond delay="0"/>
+                                  </p:stCondLst>
+                                  <p:childTnLst>
+                                    <p:set>
+                                      <p:cBhvr>
+                                        <p:cTn id="21" dur="1" fill="hold">
+                                          <p:stCondLst>
+                                            <p:cond delay="0"/>
+                                          </p:stCondLst>
+                                        </p:cTn>
+                                        <p:tgtEl>
+                                          <p:spTgt spid="2"/>
+                                        </p:tgtEl>
+                                        <p:attrNameLst>
+                                          <p:attrName>style.visibility</p:attrName>
+                                        </p:attrNameLst>
+                                      </p:cBhvr>
+                                      <p:to>
+                                        <p:strVal val="visible"/>
+                                      </p:to>
+                                    </p:set>
+                                    <p:animEffect transition="in" filter="wipe(right)">
+                                      <p:cBhvr>
+                                        <p:cTn id="22" dur="500"/>
+                                        <p:tgtEl>
+                                          <p:spTgt spid="2"/>
+                                        </p:tgtEl>
+                                      </p:cBhvr>
+                                    </p:animEffect>
+                                  </p:childTnLst>
+                                </p:cTn>
+                              </p:par>
+                            </p:childTnLst>
+                          </p:cTn>
+                        </p:par>
+                      </p:childTnLst>
+                    </p:cTn>
+                  </p:par>
+                </p:childTnLst>
+              </p:cTn>
+              <p:prevCondLst>
+                <p:cond evt="onPrev" delay="0">
+                  <p:tgtEl>
+                    <p:sldTgt/>
+                  </p:tgtEl>
+                </p:cond>
+              </p:prevCondLst>
+              <p:nextCondLst>
+                <p:cond evt="onNext" delay="0">
+                  <p:tgtEl>
+                    <p:sldTgt/>
+                  </p:tgtEl>
+                </p:cond>
+              </p:nextCondLst>
+            </p:seq>
+          </p:childTnLst>
+        </p:cTn>
+      </p:par>
+    </p:tnLst>
+    <p:bldLst>
+      <p:bldP spid="2" grpId="0"/>
+    </p:bldLst>
+  </p:timing>
 </p:sld>
 </file>
 
@@ -12287,7 +14266,7 @@
         </p:nvGrpSpPr>
         <p:grpSpPr>
           <a:xfrm>
-            <a:off x="198322" y="0"/>
+            <a:off x="-8761312" y="-1342"/>
             <a:ext cx="11447501" cy="6858000"/>
             <a:chOff x="213096" y="0"/>
             <a:chExt cx="11447501" cy="6858000"/>
@@ -14333,9 +16312,9 @@
         <p:grpSpPr>
           <a:xfrm>
             <a:off x="3083676" y="3146196"/>
-            <a:ext cx="1783225" cy="2403756"/>
+            <a:ext cx="1783225" cy="2411336"/>
             <a:chOff x="3083676" y="3146196"/>
-            <a:chExt cx="1783225" cy="2403756"/>
+            <a:chExt cx="1783225" cy="2411336"/>
           </a:xfrm>
         </p:grpSpPr>
         <p:sp>
@@ -14409,7 +16388,7 @@
           </p:blipFill>
           <p:spPr>
             <a:xfrm>
-              <a:off x="3632204" y="4655600"/>
+              <a:off x="3500275" y="4663180"/>
               <a:ext cx="894354" cy="894352"/>
             </a:xfrm>
             <a:prstGeom prst="rect">
@@ -14427,9 +16406,9 @@
         <p:grpSpPr>
           <a:xfrm>
             <a:off x="5572501" y="3146196"/>
-            <a:ext cx="1792110" cy="2453191"/>
+            <a:ext cx="1792110" cy="2422991"/>
             <a:chOff x="5572501" y="3146196"/>
-            <a:chExt cx="1792110" cy="2453191"/>
+            <a:chExt cx="1792110" cy="2422991"/>
           </a:xfrm>
         </p:grpSpPr>
         <p:sp>
@@ -14503,7 +16482,7 @@
           </p:blipFill>
           <p:spPr>
             <a:xfrm>
-              <a:off x="6062683" y="4701531"/>
+              <a:off x="6000285" y="4671331"/>
               <a:ext cx="897858" cy="897856"/>
             </a:xfrm>
             <a:prstGeom prst="rect">
@@ -14652,83 +16631,24 @@
                             </p:stCondLst>
                             <p:childTnLst>
                               <p:par>
-                                <p:cTn id="5" presetID="53" presetClass="entr" presetSubtype="16" fill="hold" nodeType="afterEffect">
+                                <p:cTn id="5" presetID="42" presetClass="path" presetSubtype="0" accel="50000" decel="50000" fill="hold" nodeType="afterEffect">
                                   <p:stCondLst>
                                     <p:cond delay="0"/>
                                   </p:stCondLst>
                                   <p:childTnLst>
-                                    <p:set>
+                                    <p:animMotion origin="layout" path="M -1.45833E-6 1.48148E-6 L 0.73919 0.00023 " pathEditMode="relative" rAng="0" ptsTypes="AA">
                                       <p:cBhvr>
-                                        <p:cTn id="6" dur="1" fill="hold">
-                                          <p:stCondLst>
-                                            <p:cond delay="0"/>
-                                          </p:stCondLst>
-                                        </p:cTn>
+                                        <p:cTn id="6" dur="2000" fill="hold"/>
                                         <p:tgtEl>
                                           <p:spTgt spid="38"/>
                                         </p:tgtEl>
                                         <p:attrNameLst>
-                                          <p:attrName>style.visibility</p:attrName>
+                                          <p:attrName>ppt_x</p:attrName>
+                                          <p:attrName>ppt_y</p:attrName>
                                         </p:attrNameLst>
                                       </p:cBhvr>
-                                      <p:to>
-                                        <p:strVal val="visible"/>
-                                      </p:to>
-                                    </p:set>
-                                    <p:anim calcmode="lin" valueType="num">
-                                      <p:cBhvr>
-                                        <p:cTn id="7" dur="500" fill="hold"/>
-                                        <p:tgtEl>
-                                          <p:spTgt spid="38"/>
-                                        </p:tgtEl>
-                                        <p:attrNameLst>
-                                          <p:attrName>ppt_w</p:attrName>
-                                        </p:attrNameLst>
-                                      </p:cBhvr>
-                                      <p:tavLst>
-                                        <p:tav tm="0">
-                                          <p:val>
-                                            <p:fltVal val="0"/>
-                                          </p:val>
-                                        </p:tav>
-                                        <p:tav tm="100000">
-                                          <p:val>
-                                            <p:strVal val="#ppt_w"/>
-                                          </p:val>
-                                        </p:tav>
-                                      </p:tavLst>
-                                    </p:anim>
-                                    <p:anim calcmode="lin" valueType="num">
-                                      <p:cBhvr>
-                                        <p:cTn id="8" dur="500" fill="hold"/>
-                                        <p:tgtEl>
-                                          <p:spTgt spid="38"/>
-                                        </p:tgtEl>
-                                        <p:attrNameLst>
-                                          <p:attrName>ppt_h</p:attrName>
-                                        </p:attrNameLst>
-                                      </p:cBhvr>
-                                      <p:tavLst>
-                                        <p:tav tm="0">
-                                          <p:val>
-                                            <p:fltVal val="0"/>
-                                          </p:val>
-                                        </p:tav>
-                                        <p:tav tm="100000">
-                                          <p:val>
-                                            <p:strVal val="#ppt_h"/>
-                                          </p:val>
-                                        </p:tav>
-                                      </p:tavLst>
-                                    </p:anim>
-                                    <p:animEffect transition="in" filter="fade">
-                                      <p:cBhvr>
-                                        <p:cTn id="9" dur="500"/>
-                                        <p:tgtEl>
-                                          <p:spTgt spid="38"/>
-                                        </p:tgtEl>
-                                      </p:cBhvr>
-                                    </p:animEffect>
+                                      <p:rCtr x="36953" y="0"/>
+                                    </p:animMotion>
                                   </p:childTnLst>
                                 </p:cTn>
                               </p:par>
@@ -14736,20 +16656,20 @@
                           </p:cTn>
                         </p:par>
                         <p:par>
-                          <p:cTn id="10" fill="hold">
+                          <p:cTn id="7" fill="hold">
                             <p:stCondLst>
-                              <p:cond delay="500"/>
+                              <p:cond delay="2000"/>
                             </p:stCondLst>
                             <p:childTnLst>
                               <p:par>
-                                <p:cTn id="11" presetID="42" presetClass="entr" presetSubtype="0" fill="hold" nodeType="afterEffect">
+                                <p:cTn id="8" presetID="42" presetClass="entr" presetSubtype="0" fill="hold" nodeType="afterEffect">
                                   <p:stCondLst>
                                     <p:cond delay="0"/>
                                   </p:stCondLst>
                                   <p:childTnLst>
                                     <p:set>
                                       <p:cBhvr>
-                                        <p:cTn id="12" dur="1" fill="hold">
+                                        <p:cTn id="9" dur="1" fill="hold">
                                           <p:stCondLst>
                                             <p:cond delay="0"/>
                                           </p:stCondLst>
@@ -14767,7 +16687,7 @@
                                     </p:set>
                                     <p:animEffect transition="in" filter="fade">
                                       <p:cBhvr>
-                                        <p:cTn id="13" dur="1000"/>
+                                        <p:cTn id="10" dur="1000"/>
                                         <p:tgtEl>
                                           <p:spTgt spid="2"/>
                                         </p:tgtEl>
@@ -14775,7 +16695,7 @@
                                     </p:animEffect>
                                     <p:anim calcmode="lin" valueType="num">
                                       <p:cBhvr>
-                                        <p:cTn id="14" dur="1000" fill="hold"/>
+                                        <p:cTn id="11" dur="1000" fill="hold"/>
                                         <p:tgtEl>
                                           <p:spTgt spid="2"/>
                                         </p:tgtEl>
@@ -14798,7 +16718,7 @@
                                     </p:anim>
                                     <p:anim calcmode="lin" valueType="num">
                                       <p:cBhvr>
-                                        <p:cTn id="15" dur="1000" fill="hold"/>
+                                        <p:cTn id="12" dur="1000" fill="hold"/>
                                         <p:tgtEl>
                                           <p:spTgt spid="2"/>
                                         </p:tgtEl>
@@ -14826,20 +16746,20 @@
                           </p:cTn>
                         </p:par>
                         <p:par>
-                          <p:cTn id="16" fill="hold">
+                          <p:cTn id="13" fill="hold">
                             <p:stCondLst>
-                              <p:cond delay="1500"/>
+                              <p:cond delay="3000"/>
                             </p:stCondLst>
                             <p:childTnLst>
                               <p:par>
-                                <p:cTn id="17" presetID="42" presetClass="entr" presetSubtype="0" fill="hold" nodeType="afterEffect">
+                                <p:cTn id="14" presetID="42" presetClass="entr" presetSubtype="0" fill="hold" nodeType="afterEffect">
                                   <p:stCondLst>
                                     <p:cond delay="0"/>
                                   </p:stCondLst>
                                   <p:childTnLst>
                                     <p:set>
                                       <p:cBhvr>
-                                        <p:cTn id="18" dur="1" fill="hold">
+                                        <p:cTn id="15" dur="1" fill="hold">
                                           <p:stCondLst>
                                             <p:cond delay="0"/>
                                           </p:stCondLst>
@@ -14857,7 +16777,7 @@
                                     </p:set>
                                     <p:animEffect transition="in" filter="fade">
                                       <p:cBhvr>
-                                        <p:cTn id="19" dur="1000"/>
+                                        <p:cTn id="16" dur="1000"/>
                                         <p:tgtEl>
                                           <p:spTgt spid="6"/>
                                         </p:tgtEl>
@@ -14865,7 +16785,7 @@
                                     </p:animEffect>
                                     <p:anim calcmode="lin" valueType="num">
                                       <p:cBhvr>
-                                        <p:cTn id="20" dur="1000" fill="hold"/>
+                                        <p:cTn id="17" dur="1000" fill="hold"/>
                                         <p:tgtEl>
                                           <p:spTgt spid="6"/>
                                         </p:tgtEl>
@@ -14888,7 +16808,7 @@
                                     </p:anim>
                                     <p:anim calcmode="lin" valueType="num">
                                       <p:cBhvr>
-                                        <p:cTn id="21" dur="1000" fill="hold"/>
+                                        <p:cTn id="18" dur="1000" fill="hold"/>
                                         <p:tgtEl>
                                           <p:spTgt spid="6"/>
                                         </p:tgtEl>
@@ -14916,20 +16836,20 @@
                           </p:cTn>
                         </p:par>
                         <p:par>
-                          <p:cTn id="22" fill="hold">
+                          <p:cTn id="19" fill="hold">
                             <p:stCondLst>
-                              <p:cond delay="2500"/>
+                              <p:cond delay="4000"/>
                             </p:stCondLst>
                             <p:childTnLst>
                               <p:par>
-                                <p:cTn id="23" presetID="42" presetClass="entr" presetSubtype="0" fill="hold" nodeType="afterEffect">
+                                <p:cTn id="20" presetID="42" presetClass="entr" presetSubtype="0" fill="hold" nodeType="afterEffect">
                                   <p:stCondLst>
                                     <p:cond delay="0"/>
                                   </p:stCondLst>
                                   <p:childTnLst>
                                     <p:set>
                                       <p:cBhvr>
-                                        <p:cTn id="24" dur="1" fill="hold">
+                                        <p:cTn id="21" dur="1" fill="hold">
                                           <p:stCondLst>
                                             <p:cond delay="0"/>
                                           </p:stCondLst>
@@ -14947,7 +16867,7 @@
                                     </p:set>
                                     <p:animEffect transition="in" filter="fade">
                                       <p:cBhvr>
-                                        <p:cTn id="25" dur="1000"/>
+                                        <p:cTn id="22" dur="1000"/>
                                         <p:tgtEl>
                                           <p:spTgt spid="4"/>
                                         </p:tgtEl>
@@ -14955,7 +16875,7 @@
                                     </p:animEffect>
                                     <p:anim calcmode="lin" valueType="num">
                                       <p:cBhvr>
-                                        <p:cTn id="26" dur="1000" fill="hold"/>
+                                        <p:cTn id="23" dur="1000" fill="hold"/>
                                         <p:tgtEl>
                                           <p:spTgt spid="4"/>
                                         </p:tgtEl>
@@ -14978,7 +16898,7 @@
                                     </p:anim>
                                     <p:anim calcmode="lin" valueType="num">
                                       <p:cBhvr>
-                                        <p:cTn id="27" dur="1000" fill="hold"/>
+                                        <p:cTn id="24" dur="1000" fill="hold"/>
                                         <p:tgtEl>
                                           <p:spTgt spid="4"/>
                                         </p:tgtEl>
@@ -15006,20 +16926,20 @@
                           </p:cTn>
                         </p:par>
                         <p:par>
-                          <p:cTn id="28" fill="hold">
+                          <p:cTn id="25" fill="hold">
                             <p:stCondLst>
-                              <p:cond delay="3500"/>
+                              <p:cond delay="5000"/>
                             </p:stCondLst>
                             <p:childTnLst>
                               <p:par>
-                                <p:cTn id="29" presetID="42" presetClass="entr" presetSubtype="0" fill="hold" nodeType="afterEffect">
+                                <p:cTn id="26" presetID="42" presetClass="entr" presetSubtype="0" fill="hold" nodeType="afterEffect">
                                   <p:stCondLst>
                                     <p:cond delay="0"/>
                                   </p:stCondLst>
                                   <p:childTnLst>
                                     <p:set>
                                       <p:cBhvr>
-                                        <p:cTn id="30" dur="1" fill="hold">
+                                        <p:cTn id="27" dur="1" fill="hold">
                                           <p:stCondLst>
                                             <p:cond delay="0"/>
                                           </p:stCondLst>
@@ -15037,7 +16957,7 @@
                                     </p:set>
                                     <p:animEffect transition="in" filter="fade">
                                       <p:cBhvr>
-                                        <p:cTn id="31" dur="1250"/>
+                                        <p:cTn id="28" dur="1250"/>
                                         <p:tgtEl>
                                           <p:spTgt spid="8"/>
                                         </p:tgtEl>
@@ -15045,7 +16965,7 @@
                                     </p:animEffect>
                                     <p:anim calcmode="lin" valueType="num">
                                       <p:cBhvr>
-                                        <p:cTn id="32" dur="1250" fill="hold"/>
+                                        <p:cTn id="29" dur="1250" fill="hold"/>
                                         <p:tgtEl>
                                           <p:spTgt spid="8"/>
                                         </p:tgtEl>
@@ -15068,7 +16988,7 @@
                                     </p:anim>
                                     <p:anim calcmode="lin" valueType="num">
                                       <p:cBhvr>
-                                        <p:cTn id="33" dur="1250" fill="hold"/>
+                                        <p:cTn id="30" dur="1250" fill="hold"/>
                                         <p:tgtEl>
                                           <p:spTgt spid="8"/>
                                         </p:tgtEl>
@@ -15096,20 +17016,20 @@
                           </p:cTn>
                         </p:par>
                         <p:par>
-                          <p:cTn id="34" fill="hold">
+                          <p:cTn id="31" fill="hold">
                             <p:stCondLst>
-                              <p:cond delay="4750"/>
+                              <p:cond delay="6250"/>
                             </p:stCondLst>
                             <p:childTnLst>
                               <p:par>
-                                <p:cTn id="35" presetID="42" presetClass="entr" presetSubtype="0" fill="hold" nodeType="afterEffect">
+                                <p:cTn id="32" presetID="42" presetClass="entr" presetSubtype="0" fill="hold" nodeType="afterEffect">
                                   <p:stCondLst>
                                     <p:cond delay="0"/>
                                   </p:stCondLst>
                                   <p:childTnLst>
                                     <p:set>
                                       <p:cBhvr>
-                                        <p:cTn id="36" dur="1" fill="hold">
+                                        <p:cTn id="33" dur="1" fill="hold">
                                           <p:stCondLst>
                                             <p:cond delay="0"/>
                                           </p:stCondLst>
@@ -15127,7 +17047,7 @@
                                     </p:set>
                                     <p:animEffect transition="in" filter="fade">
                                       <p:cBhvr>
-                                        <p:cTn id="37" dur="1000"/>
+                                        <p:cTn id="34" dur="1000"/>
                                         <p:tgtEl>
                                           <p:spTgt spid="5"/>
                                         </p:tgtEl>
@@ -15135,7 +17055,7 @@
                                     </p:animEffect>
                                     <p:anim calcmode="lin" valueType="num">
                                       <p:cBhvr>
-                                        <p:cTn id="38" dur="1000" fill="hold"/>
+                                        <p:cTn id="35" dur="1000" fill="hold"/>
                                         <p:tgtEl>
                                           <p:spTgt spid="5"/>
                                         </p:tgtEl>
@@ -15158,7 +17078,7 @@
                                     </p:anim>
                                     <p:anim calcmode="lin" valueType="num">
                                       <p:cBhvr>
-                                        <p:cTn id="39" dur="1000" fill="hold"/>
+                                        <p:cTn id="36" dur="1000" fill="hold"/>
                                         <p:tgtEl>
                                           <p:spTgt spid="5"/>
                                         </p:tgtEl>
@@ -15186,20 +17106,20 @@
                           </p:cTn>
                         </p:par>
                         <p:par>
-                          <p:cTn id="40" fill="hold">
+                          <p:cTn id="37" fill="hold">
                             <p:stCondLst>
-                              <p:cond delay="5750"/>
+                              <p:cond delay="7250"/>
                             </p:stCondLst>
                             <p:childTnLst>
                               <p:par>
-                                <p:cTn id="41" presetID="42" presetClass="entr" presetSubtype="0" fill="hold" nodeType="afterEffect">
+                                <p:cTn id="38" presetID="42" presetClass="entr" presetSubtype="0" fill="hold" nodeType="afterEffect">
                                   <p:stCondLst>
                                     <p:cond delay="0"/>
                                   </p:stCondLst>
                                   <p:childTnLst>
                                     <p:set>
                                       <p:cBhvr>
-                                        <p:cTn id="42" dur="1" fill="hold">
+                                        <p:cTn id="39" dur="1" fill="hold">
                                           <p:stCondLst>
                                             <p:cond delay="0"/>
                                           </p:stCondLst>
@@ -15217,7 +17137,7 @@
                                     </p:set>
                                     <p:animEffect transition="in" filter="fade">
                                       <p:cBhvr>
-                                        <p:cTn id="43" dur="1500"/>
+                                        <p:cTn id="40" dur="1500"/>
                                         <p:tgtEl>
                                           <p:spTgt spid="10"/>
                                         </p:tgtEl>
@@ -15225,7 +17145,7 @@
                                     </p:animEffect>
                                     <p:anim calcmode="lin" valueType="num">
                                       <p:cBhvr>
-                                        <p:cTn id="44" dur="1500" fill="hold"/>
+                                        <p:cTn id="41" dur="1500" fill="hold"/>
                                         <p:tgtEl>
                                           <p:spTgt spid="10"/>
                                         </p:tgtEl>
@@ -15248,7 +17168,7 @@
                                     </p:anim>
                                     <p:anim calcmode="lin" valueType="num">
                                       <p:cBhvr>
-                                        <p:cTn id="45" dur="1500" fill="hold"/>
+                                        <p:cTn id="42" dur="1500" fill="hold"/>
                                         <p:tgtEl>
                                           <p:spTgt spid="10"/>
                                         </p:tgtEl>
@@ -19740,8 +21660,8 @@
           </p:nvSpPr>
           <p:spPr>
             <a:xfrm rot="16200000">
-              <a:off x="10872792" y="3225512"/>
-              <a:ext cx="1992086" cy="584775"/>
+              <a:off x="10872792" y="3256289"/>
+              <a:ext cx="1992086" cy="523220"/>
             </a:xfrm>
             <a:prstGeom prst="rect">
               <a:avLst/>
@@ -19756,7 +21676,7 @@
             <a:p>
               <a:pPr algn="ctr"/>
               <a:r>
-                <a:rPr lang="en-US" sz="3200" b="1">
+                <a:rPr lang="en-US" sz="2800" b="1">
                   <a:solidFill>
                     <a:srgbClr val="F0EEF0"/>
                   </a:solidFill>
@@ -20372,7 +22292,7 @@
         </p:nvGrpSpPr>
         <p:grpSpPr>
           <a:xfrm>
-            <a:off x="-1239097" y="0"/>
+            <a:off x="-10310647" y="-26460"/>
             <a:ext cx="11860720" cy="6858000"/>
             <a:chOff x="-2449883" y="-1"/>
             <a:chExt cx="11860720" cy="6858000"/>
@@ -20648,7 +22568,7 @@
         </p:nvGrpSpPr>
         <p:grpSpPr>
           <a:xfrm>
-            <a:off x="-8748570" y="-4"/>
+            <a:off x="-8973649" y="-4"/>
             <a:ext cx="9927504" cy="6858000"/>
             <a:chOff x="-9337032" y="-1"/>
             <a:chExt cx="9927504" cy="6858000"/>
@@ -21773,83 +23693,24 @@
                             </p:stCondLst>
                             <p:childTnLst>
                               <p:par>
-                                <p:cTn id="5" presetID="53" presetClass="entr" presetSubtype="16" fill="hold" nodeType="afterEffect">
+                                <p:cTn id="5" presetID="42" presetClass="path" presetSubtype="0" accel="50000" decel="50000" fill="hold" nodeType="afterEffect">
                                   <p:stCondLst>
                                     <p:cond delay="0"/>
                                   </p:stCondLst>
                                   <p:childTnLst>
-                                    <p:set>
+                                    <p:animMotion origin="layout" path="M 4.79167E-6 -4.81481E-6 L 0.75091 0.00394 " pathEditMode="relative" rAng="0" ptsTypes="AA">
                                       <p:cBhvr>
-                                        <p:cTn id="6" dur="1" fill="hold">
-                                          <p:stCondLst>
-                                            <p:cond delay="0"/>
-                                          </p:stCondLst>
-                                        </p:cTn>
+                                        <p:cTn id="6" dur="2000" fill="hold"/>
                                         <p:tgtEl>
                                           <p:spTgt spid="71"/>
                                         </p:tgtEl>
                                         <p:attrNameLst>
-                                          <p:attrName>style.visibility</p:attrName>
+                                          <p:attrName>ppt_x</p:attrName>
+                                          <p:attrName>ppt_y</p:attrName>
                                         </p:attrNameLst>
                                       </p:cBhvr>
-                                      <p:to>
-                                        <p:strVal val="visible"/>
-                                      </p:to>
-                                    </p:set>
-                                    <p:anim calcmode="lin" valueType="num">
-                                      <p:cBhvr>
-                                        <p:cTn id="7" dur="500" fill="hold"/>
-                                        <p:tgtEl>
-                                          <p:spTgt spid="71"/>
-                                        </p:tgtEl>
-                                        <p:attrNameLst>
-                                          <p:attrName>ppt_w</p:attrName>
-                                        </p:attrNameLst>
-                                      </p:cBhvr>
-                                      <p:tavLst>
-                                        <p:tav tm="0">
-                                          <p:val>
-                                            <p:fltVal val="0"/>
-                                          </p:val>
-                                        </p:tav>
-                                        <p:tav tm="100000">
-                                          <p:val>
-                                            <p:strVal val="#ppt_w"/>
-                                          </p:val>
-                                        </p:tav>
-                                      </p:tavLst>
-                                    </p:anim>
-                                    <p:anim calcmode="lin" valueType="num">
-                                      <p:cBhvr>
-                                        <p:cTn id="8" dur="500" fill="hold"/>
-                                        <p:tgtEl>
-                                          <p:spTgt spid="71"/>
-                                        </p:tgtEl>
-                                        <p:attrNameLst>
-                                          <p:attrName>ppt_h</p:attrName>
-                                        </p:attrNameLst>
-                                      </p:cBhvr>
-                                      <p:tavLst>
-                                        <p:tav tm="0">
-                                          <p:val>
-                                            <p:fltVal val="0"/>
-                                          </p:val>
-                                        </p:tav>
-                                        <p:tav tm="100000">
-                                          <p:val>
-                                            <p:strVal val="#ppt_h"/>
-                                          </p:val>
-                                        </p:tav>
-                                      </p:tavLst>
-                                    </p:anim>
-                                    <p:animEffect transition="in" filter="fade">
-                                      <p:cBhvr>
-                                        <p:cTn id="9" dur="500"/>
-                                        <p:tgtEl>
-                                          <p:spTgt spid="71"/>
-                                        </p:tgtEl>
-                                      </p:cBhvr>
-                                    </p:animEffect>
+                                      <p:rCtr x="37539" y="185"/>
+                                    </p:animMotion>
                                   </p:childTnLst>
                                 </p:cTn>
                               </p:par>
@@ -21857,20 +23718,20 @@
                           </p:cTn>
                         </p:par>
                         <p:par>
-                          <p:cTn id="10" fill="hold">
+                          <p:cTn id="7" fill="hold">
                             <p:stCondLst>
-                              <p:cond delay="500"/>
+                              <p:cond delay="2000"/>
                             </p:stCondLst>
                             <p:childTnLst>
                               <p:par>
-                                <p:cTn id="11" presetID="31" presetClass="entr" presetSubtype="0" fill="hold" nodeType="afterEffect">
+                                <p:cTn id="8" presetID="22" presetClass="entr" presetSubtype="4" fill="hold" nodeType="afterEffect">
                                   <p:stCondLst>
-                                    <p:cond delay="0"/>
+                                    <p:cond delay="250"/>
                                   </p:stCondLst>
                                   <p:childTnLst>
                                     <p:set>
                                       <p:cBhvr>
-                                        <p:cTn id="12" dur="1" fill="hold">
+                                        <p:cTn id="9" dur="1" fill="hold">
                                           <p:stCondLst>
                                             <p:cond delay="0"/>
                                           </p:stCondLst>
@@ -21886,78 +23747,9 @@
                                         <p:strVal val="visible"/>
                                       </p:to>
                                     </p:set>
-                                    <p:anim calcmode="lin" valueType="num">
+                                    <p:animEffect transition="in" filter="wipe(down)">
                                       <p:cBhvr>
-                                        <p:cTn id="13" dur="1000" fill="hold"/>
-                                        <p:tgtEl>
-                                          <p:spTgt spid="118"/>
-                                        </p:tgtEl>
-                                        <p:attrNameLst>
-                                          <p:attrName>ppt_w</p:attrName>
-                                        </p:attrNameLst>
-                                      </p:cBhvr>
-                                      <p:tavLst>
-                                        <p:tav tm="0">
-                                          <p:val>
-                                            <p:fltVal val="0"/>
-                                          </p:val>
-                                        </p:tav>
-                                        <p:tav tm="100000">
-                                          <p:val>
-                                            <p:strVal val="#ppt_w"/>
-                                          </p:val>
-                                        </p:tav>
-                                      </p:tavLst>
-                                    </p:anim>
-                                    <p:anim calcmode="lin" valueType="num">
-                                      <p:cBhvr>
-                                        <p:cTn id="14" dur="1000" fill="hold"/>
-                                        <p:tgtEl>
-                                          <p:spTgt spid="118"/>
-                                        </p:tgtEl>
-                                        <p:attrNameLst>
-                                          <p:attrName>ppt_h</p:attrName>
-                                        </p:attrNameLst>
-                                      </p:cBhvr>
-                                      <p:tavLst>
-                                        <p:tav tm="0">
-                                          <p:val>
-                                            <p:fltVal val="0"/>
-                                          </p:val>
-                                        </p:tav>
-                                        <p:tav tm="100000">
-                                          <p:val>
-                                            <p:strVal val="#ppt_h"/>
-                                          </p:val>
-                                        </p:tav>
-                                      </p:tavLst>
-                                    </p:anim>
-                                    <p:anim calcmode="lin" valueType="num">
-                                      <p:cBhvr>
-                                        <p:cTn id="15" dur="1000" fill="hold"/>
-                                        <p:tgtEl>
-                                          <p:spTgt spid="118"/>
-                                        </p:tgtEl>
-                                        <p:attrNameLst>
-                                          <p:attrName>style.rotation</p:attrName>
-                                        </p:attrNameLst>
-                                      </p:cBhvr>
-                                      <p:tavLst>
-                                        <p:tav tm="0">
-                                          <p:val>
-                                            <p:fltVal val="90"/>
-                                          </p:val>
-                                        </p:tav>
-                                        <p:tav tm="100000">
-                                          <p:val>
-                                            <p:fltVal val="0"/>
-                                          </p:val>
-                                        </p:tav>
-                                      </p:tavLst>
-                                    </p:anim>
-                                    <p:animEffect transition="in" filter="fade">
-                                      <p:cBhvr>
-                                        <p:cTn id="16" dur="1000"/>
+                                        <p:cTn id="10" dur="500"/>
                                         <p:tgtEl>
                                           <p:spTgt spid="118"/>
                                         </p:tgtEl>
@@ -21970,20 +23762,20 @@
                           </p:cTn>
                         </p:par>
                         <p:par>
-                          <p:cTn id="17" fill="hold">
+                          <p:cTn id="11" fill="hold">
                             <p:stCondLst>
-                              <p:cond delay="1500"/>
+                              <p:cond delay="2750"/>
                             </p:stCondLst>
                             <p:childTnLst>
                               <p:par>
-                                <p:cTn id="18" presetID="31" presetClass="entr" presetSubtype="0" fill="hold" nodeType="afterEffect">
+                                <p:cTn id="12" presetID="22" presetClass="entr" presetSubtype="4" fill="hold" nodeType="afterEffect">
                                   <p:stCondLst>
-                                    <p:cond delay="0"/>
+                                    <p:cond delay="250"/>
                                   </p:stCondLst>
                                   <p:childTnLst>
                                     <p:set>
                                       <p:cBhvr>
-                                        <p:cTn id="19" dur="1" fill="hold">
+                                        <p:cTn id="13" dur="1" fill="hold">
                                           <p:stCondLst>
                                             <p:cond delay="0"/>
                                           </p:stCondLst>
@@ -21999,78 +23791,9 @@
                                         <p:strVal val="visible"/>
                                       </p:to>
                                     </p:set>
-                                    <p:anim calcmode="lin" valueType="num">
+                                    <p:animEffect transition="in" filter="wipe(down)">
                                       <p:cBhvr>
-                                        <p:cTn id="20" dur="1000" fill="hold"/>
-                                        <p:tgtEl>
-                                          <p:spTgt spid="82"/>
-                                        </p:tgtEl>
-                                        <p:attrNameLst>
-                                          <p:attrName>ppt_w</p:attrName>
-                                        </p:attrNameLst>
-                                      </p:cBhvr>
-                                      <p:tavLst>
-                                        <p:tav tm="0">
-                                          <p:val>
-                                            <p:fltVal val="0"/>
-                                          </p:val>
-                                        </p:tav>
-                                        <p:tav tm="100000">
-                                          <p:val>
-                                            <p:strVal val="#ppt_w"/>
-                                          </p:val>
-                                        </p:tav>
-                                      </p:tavLst>
-                                    </p:anim>
-                                    <p:anim calcmode="lin" valueType="num">
-                                      <p:cBhvr>
-                                        <p:cTn id="21" dur="1000" fill="hold"/>
-                                        <p:tgtEl>
-                                          <p:spTgt spid="82"/>
-                                        </p:tgtEl>
-                                        <p:attrNameLst>
-                                          <p:attrName>ppt_h</p:attrName>
-                                        </p:attrNameLst>
-                                      </p:cBhvr>
-                                      <p:tavLst>
-                                        <p:tav tm="0">
-                                          <p:val>
-                                            <p:fltVal val="0"/>
-                                          </p:val>
-                                        </p:tav>
-                                        <p:tav tm="100000">
-                                          <p:val>
-                                            <p:strVal val="#ppt_h"/>
-                                          </p:val>
-                                        </p:tav>
-                                      </p:tavLst>
-                                    </p:anim>
-                                    <p:anim calcmode="lin" valueType="num">
-                                      <p:cBhvr>
-                                        <p:cTn id="22" dur="1000" fill="hold"/>
-                                        <p:tgtEl>
-                                          <p:spTgt spid="82"/>
-                                        </p:tgtEl>
-                                        <p:attrNameLst>
-                                          <p:attrName>style.rotation</p:attrName>
-                                        </p:attrNameLst>
-                                      </p:cBhvr>
-                                      <p:tavLst>
-                                        <p:tav tm="0">
-                                          <p:val>
-                                            <p:fltVal val="90"/>
-                                          </p:val>
-                                        </p:tav>
-                                        <p:tav tm="100000">
-                                          <p:val>
-                                            <p:fltVal val="0"/>
-                                          </p:val>
-                                        </p:tav>
-                                      </p:tavLst>
-                                    </p:anim>
-                                    <p:animEffect transition="in" filter="fade">
-                                      <p:cBhvr>
-                                        <p:cTn id="23" dur="1000"/>
+                                        <p:cTn id="14" dur="500"/>
                                         <p:tgtEl>
                                           <p:spTgt spid="82"/>
                                         </p:tgtEl>
@@ -22083,20 +23806,20 @@
                           </p:cTn>
                         </p:par>
                         <p:par>
-                          <p:cTn id="24" fill="hold">
+                          <p:cTn id="15" fill="hold">
                             <p:stCondLst>
-                              <p:cond delay="2500"/>
+                              <p:cond delay="3500"/>
                             </p:stCondLst>
                             <p:childTnLst>
                               <p:par>
-                                <p:cTn id="25" presetID="31" presetClass="entr" presetSubtype="0" fill="hold" nodeType="afterEffect">
+                                <p:cTn id="16" presetID="22" presetClass="entr" presetSubtype="4" fill="hold" nodeType="afterEffect">
                                   <p:stCondLst>
-                                    <p:cond delay="0"/>
+                                    <p:cond delay="250"/>
                                   </p:stCondLst>
                                   <p:childTnLst>
                                     <p:set>
                                       <p:cBhvr>
-                                        <p:cTn id="26" dur="1" fill="hold">
+                                        <p:cTn id="17" dur="1" fill="hold">
                                           <p:stCondLst>
                                             <p:cond delay="0"/>
                                           </p:stCondLst>
@@ -22112,78 +23835,9 @@
                                         <p:strVal val="visible"/>
                                       </p:to>
                                     </p:set>
-                                    <p:anim calcmode="lin" valueType="num">
+                                    <p:animEffect transition="in" filter="wipe(down)">
                                       <p:cBhvr>
-                                        <p:cTn id="27" dur="1250" fill="hold"/>
-                                        <p:tgtEl>
-                                          <p:spTgt spid="86"/>
-                                        </p:tgtEl>
-                                        <p:attrNameLst>
-                                          <p:attrName>ppt_w</p:attrName>
-                                        </p:attrNameLst>
-                                      </p:cBhvr>
-                                      <p:tavLst>
-                                        <p:tav tm="0">
-                                          <p:val>
-                                            <p:fltVal val="0"/>
-                                          </p:val>
-                                        </p:tav>
-                                        <p:tav tm="100000">
-                                          <p:val>
-                                            <p:strVal val="#ppt_w"/>
-                                          </p:val>
-                                        </p:tav>
-                                      </p:tavLst>
-                                    </p:anim>
-                                    <p:anim calcmode="lin" valueType="num">
-                                      <p:cBhvr>
-                                        <p:cTn id="28" dur="1250" fill="hold"/>
-                                        <p:tgtEl>
-                                          <p:spTgt spid="86"/>
-                                        </p:tgtEl>
-                                        <p:attrNameLst>
-                                          <p:attrName>ppt_h</p:attrName>
-                                        </p:attrNameLst>
-                                      </p:cBhvr>
-                                      <p:tavLst>
-                                        <p:tav tm="0">
-                                          <p:val>
-                                            <p:fltVal val="0"/>
-                                          </p:val>
-                                        </p:tav>
-                                        <p:tav tm="100000">
-                                          <p:val>
-                                            <p:strVal val="#ppt_h"/>
-                                          </p:val>
-                                        </p:tav>
-                                      </p:tavLst>
-                                    </p:anim>
-                                    <p:anim calcmode="lin" valueType="num">
-                                      <p:cBhvr>
-                                        <p:cTn id="29" dur="1250" fill="hold"/>
-                                        <p:tgtEl>
-                                          <p:spTgt spid="86"/>
-                                        </p:tgtEl>
-                                        <p:attrNameLst>
-                                          <p:attrName>style.rotation</p:attrName>
-                                        </p:attrNameLst>
-                                      </p:cBhvr>
-                                      <p:tavLst>
-                                        <p:tav tm="0">
-                                          <p:val>
-                                            <p:fltVal val="90"/>
-                                          </p:val>
-                                        </p:tav>
-                                        <p:tav tm="100000">
-                                          <p:val>
-                                            <p:fltVal val="0"/>
-                                          </p:val>
-                                        </p:tav>
-                                      </p:tavLst>
-                                    </p:anim>
-                                    <p:animEffect transition="in" filter="fade">
-                                      <p:cBhvr>
-                                        <p:cTn id="30" dur="1250"/>
+                                        <p:cTn id="18" dur="500"/>
                                         <p:tgtEl>
                                           <p:spTgt spid="86"/>
                                         </p:tgtEl>
@@ -22196,20 +23850,20 @@
                           </p:cTn>
                         </p:par>
                         <p:par>
-                          <p:cTn id="31" fill="hold">
+                          <p:cTn id="19" fill="hold">
                             <p:stCondLst>
-                              <p:cond delay="3750"/>
+                              <p:cond delay="4250"/>
                             </p:stCondLst>
                             <p:childTnLst>
                               <p:par>
-                                <p:cTn id="32" presetID="31" presetClass="entr" presetSubtype="0" fill="hold" nodeType="afterEffect">
+                                <p:cTn id="20" presetID="22" presetClass="entr" presetSubtype="4" fill="hold" nodeType="afterEffect">
                                   <p:stCondLst>
-                                    <p:cond delay="0"/>
+                                    <p:cond delay="250"/>
                                   </p:stCondLst>
                                   <p:childTnLst>
                                     <p:set>
                                       <p:cBhvr>
-                                        <p:cTn id="33" dur="1" fill="hold">
+                                        <p:cTn id="21" dur="1" fill="hold">
                                           <p:stCondLst>
                                             <p:cond delay="0"/>
                                           </p:stCondLst>
@@ -22225,78 +23879,9 @@
                                         <p:strVal val="visible"/>
                                       </p:to>
                                     </p:set>
-                                    <p:anim calcmode="lin" valueType="num">
+                                    <p:animEffect transition="in" filter="wipe(down)">
                                       <p:cBhvr>
-                                        <p:cTn id="34" dur="1250" fill="hold"/>
-                                        <p:tgtEl>
-                                          <p:spTgt spid="90"/>
-                                        </p:tgtEl>
-                                        <p:attrNameLst>
-                                          <p:attrName>ppt_w</p:attrName>
-                                        </p:attrNameLst>
-                                      </p:cBhvr>
-                                      <p:tavLst>
-                                        <p:tav tm="0">
-                                          <p:val>
-                                            <p:fltVal val="0"/>
-                                          </p:val>
-                                        </p:tav>
-                                        <p:tav tm="100000">
-                                          <p:val>
-                                            <p:strVal val="#ppt_w"/>
-                                          </p:val>
-                                        </p:tav>
-                                      </p:tavLst>
-                                    </p:anim>
-                                    <p:anim calcmode="lin" valueType="num">
-                                      <p:cBhvr>
-                                        <p:cTn id="35" dur="1250" fill="hold"/>
-                                        <p:tgtEl>
-                                          <p:spTgt spid="90"/>
-                                        </p:tgtEl>
-                                        <p:attrNameLst>
-                                          <p:attrName>ppt_h</p:attrName>
-                                        </p:attrNameLst>
-                                      </p:cBhvr>
-                                      <p:tavLst>
-                                        <p:tav tm="0">
-                                          <p:val>
-                                            <p:fltVal val="0"/>
-                                          </p:val>
-                                        </p:tav>
-                                        <p:tav tm="100000">
-                                          <p:val>
-                                            <p:strVal val="#ppt_h"/>
-                                          </p:val>
-                                        </p:tav>
-                                      </p:tavLst>
-                                    </p:anim>
-                                    <p:anim calcmode="lin" valueType="num">
-                                      <p:cBhvr>
-                                        <p:cTn id="36" dur="1250" fill="hold"/>
-                                        <p:tgtEl>
-                                          <p:spTgt spid="90"/>
-                                        </p:tgtEl>
-                                        <p:attrNameLst>
-                                          <p:attrName>style.rotation</p:attrName>
-                                        </p:attrNameLst>
-                                      </p:cBhvr>
-                                      <p:tavLst>
-                                        <p:tav tm="0">
-                                          <p:val>
-                                            <p:fltVal val="90"/>
-                                          </p:val>
-                                        </p:tav>
-                                        <p:tav tm="100000">
-                                          <p:val>
-                                            <p:fltVal val="0"/>
-                                          </p:val>
-                                        </p:tav>
-                                      </p:tavLst>
-                                    </p:anim>
-                                    <p:animEffect transition="in" filter="fade">
-                                      <p:cBhvr>
-                                        <p:cTn id="37" dur="1250"/>
+                                        <p:cTn id="22" dur="500"/>
                                         <p:tgtEl>
                                           <p:spTgt spid="90"/>
                                         </p:tgtEl>
@@ -22563,8 +24148,8 @@
           </p:nvSpPr>
           <p:spPr>
             <a:xfrm rot="16200000">
-              <a:off x="10872792" y="3225512"/>
-              <a:ext cx="1992086" cy="584775"/>
+              <a:off x="10872792" y="3256289"/>
+              <a:ext cx="1992086" cy="523220"/>
             </a:xfrm>
             <a:prstGeom prst="rect">
               <a:avLst/>
@@ -22579,7 +24164,7 @@
             <a:p>
               <a:pPr algn="ctr"/>
               <a:r>
-                <a:rPr lang="en-US" sz="3200" b="1">
+                <a:rPr lang="en-US" sz="2800" b="1">
                   <a:solidFill>
                     <a:srgbClr val="F0EEF0"/>
                   </a:solidFill>
@@ -23471,7 +25056,7 @@
         </p:nvGrpSpPr>
         <p:grpSpPr>
           <a:xfrm>
-            <a:off x="-8748570" y="-4"/>
+            <a:off x="-8959590" y="-4"/>
             <a:ext cx="9927504" cy="6858000"/>
             <a:chOff x="-9337032" y="-1"/>
             <a:chExt cx="9927504" cy="6858000"/>
@@ -25193,8 +26778,8 @@
           </p:nvSpPr>
           <p:spPr>
             <a:xfrm rot="16200000">
-              <a:off x="10872792" y="3225512"/>
-              <a:ext cx="1992086" cy="584775"/>
+              <a:off x="10872792" y="3256289"/>
+              <a:ext cx="1992086" cy="523220"/>
             </a:xfrm>
             <a:prstGeom prst="rect">
               <a:avLst/>
@@ -25209,7 +26794,7 @@
             <a:p>
               <a:pPr algn="ctr"/>
               <a:r>
-                <a:rPr lang="en-US" sz="3200" b="1">
+                <a:rPr lang="en-US" sz="2800" b="1">
                   <a:solidFill>
                     <a:srgbClr val="F0EEF0"/>
                   </a:solidFill>
@@ -26101,7 +27686,7 @@
         </p:nvGrpSpPr>
         <p:grpSpPr>
           <a:xfrm>
-            <a:off x="-8748570" y="-4"/>
+            <a:off x="-8960021" y="-4"/>
             <a:ext cx="9927504" cy="6858000"/>
             <a:chOff x="-9337032" y="-1"/>
             <a:chExt cx="9927504" cy="6858000"/>
@@ -26377,7 +27962,7 @@
         </p:nvGrpSpPr>
         <p:grpSpPr>
           <a:xfrm>
-            <a:off x="1889751" y="1830544"/>
+            <a:off x="1889751" y="1854670"/>
             <a:ext cx="6468693" cy="662056"/>
             <a:chOff x="1410818" y="1691341"/>
             <a:chExt cx="6468693" cy="662056"/>
@@ -26554,7 +28139,7 @@
         </p:nvGrpSpPr>
         <p:grpSpPr>
           <a:xfrm>
-            <a:off x="1889751" y="2973048"/>
+            <a:off x="1889751" y="2997174"/>
             <a:ext cx="6468693" cy="662056"/>
             <a:chOff x="1410818" y="2766941"/>
             <a:chExt cx="6468693" cy="662056"/>
@@ -26731,7 +28316,7 @@
         </p:nvGrpSpPr>
         <p:grpSpPr>
           <a:xfrm>
-            <a:off x="1889751" y="4115552"/>
+            <a:off x="1889751" y="4139678"/>
             <a:ext cx="6445427" cy="662056"/>
             <a:chOff x="1410818" y="1691341"/>
             <a:chExt cx="6445427" cy="662056"/>
@@ -27262,6 +28847,268 @@
       </p:transition>
     </mc:Fallback>
   </mc:AlternateContent>
+  <p:timing>
+    <p:tnLst>
+      <p:par>
+        <p:cTn id="1" dur="indefinite" restart="never" nodeType="tmRoot">
+          <p:childTnLst>
+            <p:seq concurrent="1" nextAc="seek">
+              <p:cTn id="2" dur="indefinite" nodeType="mainSeq">
+                <p:childTnLst>
+                  <p:par>
+                    <p:cTn id="3" fill="hold">
+                      <p:stCondLst>
+                        <p:cond delay="indefinite"/>
+                        <p:cond evt="onBegin" delay="0">
+                          <p:tn val="2"/>
+                        </p:cond>
+                      </p:stCondLst>
+                      <p:childTnLst>
+                        <p:par>
+                          <p:cTn id="4" fill="hold">
+                            <p:stCondLst>
+                              <p:cond delay="0"/>
+                            </p:stCondLst>
+                            <p:childTnLst>
+                              <p:par>
+                                <p:cTn id="5" presetID="22" presetClass="entr" presetSubtype="4" fill="hold" nodeType="afterEffect">
+                                  <p:stCondLst>
+                                    <p:cond delay="0"/>
+                                  </p:stCondLst>
+                                  <p:childTnLst>
+                                    <p:set>
+                                      <p:cBhvr>
+                                        <p:cTn id="6" dur="1" fill="hold">
+                                          <p:stCondLst>
+                                            <p:cond delay="0"/>
+                                          </p:stCondLst>
+                                        </p:cTn>
+                                        <p:tgtEl>
+                                          <p:spTgt spid="118"/>
+                                        </p:tgtEl>
+                                        <p:attrNameLst>
+                                          <p:attrName>style.visibility</p:attrName>
+                                        </p:attrNameLst>
+                                      </p:cBhvr>
+                                      <p:to>
+                                        <p:strVal val="visible"/>
+                                      </p:to>
+                                    </p:set>
+                                    <p:animEffect transition="in" filter="wipe(down)">
+                                      <p:cBhvr>
+                                        <p:cTn id="7" dur="500"/>
+                                        <p:tgtEl>
+                                          <p:spTgt spid="118"/>
+                                        </p:tgtEl>
+                                      </p:cBhvr>
+                                    </p:animEffect>
+                                  </p:childTnLst>
+                                </p:cTn>
+                              </p:par>
+                            </p:childTnLst>
+                          </p:cTn>
+                        </p:par>
+                        <p:par>
+                          <p:cTn id="8" fill="hold">
+                            <p:stCondLst>
+                              <p:cond delay="500"/>
+                            </p:stCondLst>
+                            <p:childTnLst>
+                              <p:par>
+                                <p:cTn id="9" presetID="22" presetClass="entr" presetSubtype="4" fill="hold" nodeType="afterEffect">
+                                  <p:stCondLst>
+                                    <p:cond delay="0"/>
+                                  </p:stCondLst>
+                                  <p:childTnLst>
+                                    <p:set>
+                                      <p:cBhvr>
+                                        <p:cTn id="10" dur="1" fill="hold">
+                                          <p:stCondLst>
+                                            <p:cond delay="0"/>
+                                          </p:stCondLst>
+                                        </p:cTn>
+                                        <p:tgtEl>
+                                          <p:spTgt spid="66"/>
+                                        </p:tgtEl>
+                                        <p:attrNameLst>
+                                          <p:attrName>style.visibility</p:attrName>
+                                        </p:attrNameLst>
+                                      </p:cBhvr>
+                                      <p:to>
+                                        <p:strVal val="visible"/>
+                                      </p:to>
+                                    </p:set>
+                                    <p:animEffect transition="in" filter="wipe(down)">
+                                      <p:cBhvr>
+                                        <p:cTn id="11" dur="750"/>
+                                        <p:tgtEl>
+                                          <p:spTgt spid="66"/>
+                                        </p:tgtEl>
+                                      </p:cBhvr>
+                                    </p:animEffect>
+                                  </p:childTnLst>
+                                </p:cTn>
+                              </p:par>
+                            </p:childTnLst>
+                          </p:cTn>
+                        </p:par>
+                        <p:par>
+                          <p:cTn id="12" fill="hold">
+                            <p:stCondLst>
+                              <p:cond delay="1250"/>
+                            </p:stCondLst>
+                            <p:childTnLst>
+                              <p:par>
+                                <p:cTn id="13" presetID="22" presetClass="entr" presetSubtype="4" fill="hold" nodeType="afterEffect">
+                                  <p:stCondLst>
+                                    <p:cond delay="0"/>
+                                  </p:stCondLst>
+                                  <p:childTnLst>
+                                    <p:set>
+                                      <p:cBhvr>
+                                        <p:cTn id="14" dur="1" fill="hold">
+                                          <p:stCondLst>
+                                            <p:cond delay="0"/>
+                                          </p:stCondLst>
+                                        </p:cTn>
+                                        <p:tgtEl>
+                                          <p:spTgt spid="84"/>
+                                        </p:tgtEl>
+                                        <p:attrNameLst>
+                                          <p:attrName>style.visibility</p:attrName>
+                                        </p:attrNameLst>
+                                      </p:cBhvr>
+                                      <p:to>
+                                        <p:strVal val="visible"/>
+                                      </p:to>
+                                    </p:set>
+                                    <p:animEffect transition="in" filter="wipe(down)">
+                                      <p:cBhvr>
+                                        <p:cTn id="15" dur="750"/>
+                                        <p:tgtEl>
+                                          <p:spTgt spid="84"/>
+                                        </p:tgtEl>
+                                      </p:cBhvr>
+                                    </p:animEffect>
+                                  </p:childTnLst>
+                                </p:cTn>
+                              </p:par>
+                            </p:childTnLst>
+                          </p:cTn>
+                        </p:par>
+                        <p:par>
+                          <p:cTn id="16" fill="hold">
+                            <p:stCondLst>
+                              <p:cond delay="2000"/>
+                            </p:stCondLst>
+                            <p:childTnLst>
+                              <p:par>
+                                <p:cTn id="17" presetID="22" presetClass="entr" presetSubtype="4" fill="hold" nodeType="afterEffect">
+                                  <p:stCondLst>
+                                    <p:cond delay="0"/>
+                                  </p:stCondLst>
+                                  <p:childTnLst>
+                                    <p:set>
+                                      <p:cBhvr>
+                                        <p:cTn id="18" dur="1" fill="hold">
+                                          <p:stCondLst>
+                                            <p:cond delay="0"/>
+                                          </p:stCondLst>
+                                        </p:cTn>
+                                        <p:tgtEl>
+                                          <p:spTgt spid="89"/>
+                                        </p:tgtEl>
+                                        <p:attrNameLst>
+                                          <p:attrName>style.visibility</p:attrName>
+                                        </p:attrNameLst>
+                                      </p:cBhvr>
+                                      <p:to>
+                                        <p:strVal val="visible"/>
+                                      </p:to>
+                                    </p:set>
+                                    <p:animEffect transition="in" filter="wipe(down)">
+                                      <p:cBhvr>
+                                        <p:cTn id="19" dur="750"/>
+                                        <p:tgtEl>
+                                          <p:spTgt spid="89"/>
+                                        </p:tgtEl>
+                                      </p:cBhvr>
+                                    </p:animEffect>
+                                  </p:childTnLst>
+                                </p:cTn>
+                              </p:par>
+                            </p:childTnLst>
+                          </p:cTn>
+                        </p:par>
+                        <p:par>
+                          <p:cTn id="20" fill="hold">
+                            <p:stCondLst>
+                              <p:cond delay="2750"/>
+                            </p:stCondLst>
+                            <p:childTnLst>
+                              <p:par>
+                                <p:cTn id="21" presetID="22" presetClass="entr" presetSubtype="4" fill="hold" nodeType="afterEffect">
+                                  <p:stCondLst>
+                                    <p:cond delay="0"/>
+                                  </p:stCondLst>
+                                  <p:childTnLst>
+                                    <p:set>
+                                      <p:cBhvr>
+                                        <p:cTn id="22" dur="1" fill="hold">
+                                          <p:stCondLst>
+                                            <p:cond delay="0"/>
+                                          </p:stCondLst>
+                                        </p:cTn>
+                                        <p:tgtEl>
+                                          <p:spTgt spid="113"/>
+                                        </p:tgtEl>
+                                        <p:attrNameLst>
+                                          <p:attrName>style.visibility</p:attrName>
+                                        </p:attrNameLst>
+                                      </p:cBhvr>
+                                      <p:to>
+                                        <p:strVal val="visible"/>
+                                      </p:to>
+                                    </p:set>
+                                    <p:animEffect transition="in" filter="wipe(down)">
+                                      <p:cBhvr>
+                                        <p:cTn id="23" dur="750"/>
+                                        <p:tgtEl>
+                                          <p:spTgt spid="113"/>
+                                        </p:tgtEl>
+                                      </p:cBhvr>
+                                    </p:animEffect>
+                                  </p:childTnLst>
+                                </p:cTn>
+                              </p:par>
+                            </p:childTnLst>
+                          </p:cTn>
+                        </p:par>
+                      </p:childTnLst>
+                    </p:cTn>
+                  </p:par>
+                </p:childTnLst>
+              </p:cTn>
+              <p:prevCondLst>
+                <p:cond evt="onPrev" delay="0">
+                  <p:tgtEl>
+                    <p:sldTgt/>
+                  </p:tgtEl>
+                </p:cond>
+              </p:prevCondLst>
+              <p:nextCondLst>
+                <p:cond evt="onNext" delay="0">
+                  <p:tgtEl>
+                    <p:sldTgt/>
+                  </p:tgtEl>
+                </p:cond>
+              </p:nextCondLst>
+            </p:seq>
+          </p:childTnLst>
+        </p:cTn>
+      </p:par>
+    </p:tnLst>
+  </p:timing>
 </p:sld>
 </file>
 
@@ -27492,8 +29339,8 @@
           </p:nvSpPr>
           <p:spPr>
             <a:xfrm rot="16200000">
-              <a:off x="10872792" y="3225512"/>
-              <a:ext cx="1992086" cy="584775"/>
+              <a:off x="10872792" y="3256289"/>
+              <a:ext cx="1992086" cy="523220"/>
             </a:xfrm>
             <a:prstGeom prst="rect">
               <a:avLst/>
@@ -27508,7 +29355,7 @@
             <a:p>
               <a:pPr algn="ctr"/>
               <a:r>
-                <a:rPr lang="en-US" sz="3200" b="1">
+                <a:rPr lang="en-US" sz="2800" b="1">
                   <a:solidFill>
                     <a:srgbClr val="F0EEF0"/>
                   </a:solidFill>
@@ -28465,7 +30312,7 @@
         </p:nvGrpSpPr>
         <p:grpSpPr>
           <a:xfrm>
-            <a:off x="-9113690" y="0"/>
+            <a:off x="-8958942" y="0"/>
             <a:ext cx="9927504" cy="6858000"/>
             <a:chOff x="-9337032" y="-1"/>
             <a:chExt cx="9927504" cy="6858000"/>
@@ -29572,6 +31419,306 @@
       </p:transition>
     </mc:Fallback>
   </mc:AlternateContent>
+  <p:timing>
+    <p:tnLst>
+      <p:par>
+        <p:cTn id="1" dur="indefinite" restart="never" nodeType="tmRoot">
+          <p:childTnLst>
+            <p:seq concurrent="1" nextAc="seek">
+              <p:cTn id="2" dur="indefinite" nodeType="mainSeq">
+                <p:childTnLst>
+                  <p:par>
+                    <p:cTn id="3" fill="hold">
+                      <p:stCondLst>
+                        <p:cond delay="indefinite"/>
+                        <p:cond evt="onBegin" delay="0">
+                          <p:tn val="2"/>
+                        </p:cond>
+                      </p:stCondLst>
+                      <p:childTnLst>
+                        <p:par>
+                          <p:cTn id="4" fill="hold">
+                            <p:stCondLst>
+                              <p:cond delay="0"/>
+                            </p:stCondLst>
+                            <p:childTnLst>
+                              <p:par>
+                                <p:cTn id="5" presetID="2" presetClass="entr" presetSubtype="4" fill="hold" nodeType="afterEffect">
+                                  <p:stCondLst>
+                                    <p:cond delay="0"/>
+                                  </p:stCondLst>
+                                  <p:childTnLst>
+                                    <p:set>
+                                      <p:cBhvr>
+                                        <p:cTn id="6" dur="1" fill="hold">
+                                          <p:stCondLst>
+                                            <p:cond delay="0"/>
+                                          </p:stCondLst>
+                                        </p:cTn>
+                                        <p:tgtEl>
+                                          <p:spTgt spid="65"/>
+                                        </p:tgtEl>
+                                        <p:attrNameLst>
+                                          <p:attrName>style.visibility</p:attrName>
+                                        </p:attrNameLst>
+                                      </p:cBhvr>
+                                      <p:to>
+                                        <p:strVal val="visible"/>
+                                      </p:to>
+                                    </p:set>
+                                    <p:anim calcmode="lin" valueType="num">
+                                      <p:cBhvr additive="base">
+                                        <p:cTn id="7" dur="500" fill="hold"/>
+                                        <p:tgtEl>
+                                          <p:spTgt spid="65"/>
+                                        </p:tgtEl>
+                                        <p:attrNameLst>
+                                          <p:attrName>ppt_x</p:attrName>
+                                        </p:attrNameLst>
+                                      </p:cBhvr>
+                                      <p:tavLst>
+                                        <p:tav tm="0">
+                                          <p:val>
+                                            <p:strVal val="#ppt_x"/>
+                                          </p:val>
+                                        </p:tav>
+                                        <p:tav tm="100000">
+                                          <p:val>
+                                            <p:strVal val="#ppt_x"/>
+                                          </p:val>
+                                        </p:tav>
+                                      </p:tavLst>
+                                    </p:anim>
+                                    <p:anim calcmode="lin" valueType="num">
+                                      <p:cBhvr additive="base">
+                                        <p:cTn id="8" dur="500" fill="hold"/>
+                                        <p:tgtEl>
+                                          <p:spTgt spid="65"/>
+                                        </p:tgtEl>
+                                        <p:attrNameLst>
+                                          <p:attrName>ppt_y</p:attrName>
+                                        </p:attrNameLst>
+                                      </p:cBhvr>
+                                      <p:tavLst>
+                                        <p:tav tm="0">
+                                          <p:val>
+                                            <p:strVal val="1+#ppt_h/2"/>
+                                          </p:val>
+                                        </p:tav>
+                                        <p:tav tm="100000">
+                                          <p:val>
+                                            <p:strVal val="#ppt_y"/>
+                                          </p:val>
+                                        </p:tav>
+                                      </p:tavLst>
+                                    </p:anim>
+                                  </p:childTnLst>
+                                </p:cTn>
+                              </p:par>
+                            </p:childTnLst>
+                          </p:cTn>
+                        </p:par>
+                        <p:par>
+                          <p:cTn id="9" fill="hold">
+                            <p:stCondLst>
+                              <p:cond delay="500"/>
+                            </p:stCondLst>
+                            <p:childTnLst>
+                              <p:par>
+                                <p:cTn id="10" presetID="22" presetClass="entr" presetSubtype="4" fill="hold" nodeType="afterEffect">
+                                  <p:stCondLst>
+                                    <p:cond delay="0"/>
+                                  </p:stCondLst>
+                                  <p:childTnLst>
+                                    <p:set>
+                                      <p:cBhvr>
+                                        <p:cTn id="11" dur="1" fill="hold">
+                                          <p:stCondLst>
+                                            <p:cond delay="0"/>
+                                          </p:stCondLst>
+                                        </p:cTn>
+                                        <p:tgtEl>
+                                          <p:spTgt spid="81"/>
+                                        </p:tgtEl>
+                                        <p:attrNameLst>
+                                          <p:attrName>style.visibility</p:attrName>
+                                        </p:attrNameLst>
+                                      </p:cBhvr>
+                                      <p:to>
+                                        <p:strVal val="visible"/>
+                                      </p:to>
+                                    </p:set>
+                                    <p:animEffect transition="in" filter="wipe(down)">
+                                      <p:cBhvr>
+                                        <p:cTn id="12" dur="750"/>
+                                        <p:tgtEl>
+                                          <p:spTgt spid="81"/>
+                                        </p:tgtEl>
+                                      </p:cBhvr>
+                                    </p:animEffect>
+                                  </p:childTnLst>
+                                </p:cTn>
+                              </p:par>
+                            </p:childTnLst>
+                          </p:cTn>
+                        </p:par>
+                        <p:par>
+                          <p:cTn id="13" fill="hold">
+                            <p:stCondLst>
+                              <p:cond delay="1250"/>
+                            </p:stCondLst>
+                            <p:childTnLst>
+                              <p:par>
+                                <p:cTn id="14" presetID="22" presetClass="entr" presetSubtype="4" fill="hold" nodeType="afterEffect">
+                                  <p:stCondLst>
+                                    <p:cond delay="0"/>
+                                  </p:stCondLst>
+                                  <p:childTnLst>
+                                    <p:set>
+                                      <p:cBhvr>
+                                        <p:cTn id="15" dur="1" fill="hold">
+                                          <p:stCondLst>
+                                            <p:cond delay="0"/>
+                                          </p:stCondLst>
+                                        </p:cTn>
+                                        <p:tgtEl>
+                                          <p:spTgt spid="98"/>
+                                        </p:tgtEl>
+                                        <p:attrNameLst>
+                                          <p:attrName>style.visibility</p:attrName>
+                                        </p:attrNameLst>
+                                      </p:cBhvr>
+                                      <p:to>
+                                        <p:strVal val="visible"/>
+                                      </p:to>
+                                    </p:set>
+                                    <p:animEffect transition="in" filter="wipe(down)">
+                                      <p:cBhvr>
+                                        <p:cTn id="16" dur="750"/>
+                                        <p:tgtEl>
+                                          <p:spTgt spid="98"/>
+                                        </p:tgtEl>
+                                      </p:cBhvr>
+                                    </p:animEffect>
+                                  </p:childTnLst>
+                                </p:cTn>
+                              </p:par>
+                            </p:childTnLst>
+                          </p:cTn>
+                        </p:par>
+                        <p:par>
+                          <p:cTn id="17" fill="hold">
+                            <p:stCondLst>
+                              <p:cond delay="2000"/>
+                            </p:stCondLst>
+                            <p:childTnLst>
+                              <p:par>
+                                <p:cTn id="18" presetID="22" presetClass="entr" presetSubtype="4" fill="hold" nodeType="afterEffect">
+                                  <p:stCondLst>
+                                    <p:cond delay="0"/>
+                                  </p:stCondLst>
+                                  <p:childTnLst>
+                                    <p:set>
+                                      <p:cBhvr>
+                                        <p:cTn id="19" dur="1" fill="hold">
+                                          <p:stCondLst>
+                                            <p:cond delay="0"/>
+                                          </p:stCondLst>
+                                        </p:cTn>
+                                        <p:tgtEl>
+                                          <p:spTgt spid="103"/>
+                                        </p:tgtEl>
+                                        <p:attrNameLst>
+                                          <p:attrName>style.visibility</p:attrName>
+                                        </p:attrNameLst>
+                                      </p:cBhvr>
+                                      <p:to>
+                                        <p:strVal val="visible"/>
+                                      </p:to>
+                                    </p:set>
+                                    <p:animEffect transition="in" filter="wipe(down)">
+                                      <p:cBhvr>
+                                        <p:cTn id="20" dur="750"/>
+                                        <p:tgtEl>
+                                          <p:spTgt spid="103"/>
+                                        </p:tgtEl>
+                                      </p:cBhvr>
+                                    </p:animEffect>
+                                  </p:childTnLst>
+                                </p:cTn>
+                              </p:par>
+                            </p:childTnLst>
+                          </p:cTn>
+                        </p:par>
+                        <p:par>
+                          <p:cTn id="21" fill="hold">
+                            <p:stCondLst>
+                              <p:cond delay="2750"/>
+                            </p:stCondLst>
+                            <p:childTnLst>
+                              <p:par>
+                                <p:cTn id="22" presetID="22" presetClass="entr" presetSubtype="4" fill="hold" nodeType="afterEffect">
+                                  <p:stCondLst>
+                                    <p:cond delay="0"/>
+                                  </p:stCondLst>
+                                  <p:childTnLst>
+                                    <p:set>
+                                      <p:cBhvr>
+                                        <p:cTn id="23" dur="1" fill="hold">
+                                          <p:stCondLst>
+                                            <p:cond delay="0"/>
+                                          </p:stCondLst>
+                                        </p:cTn>
+                                        <p:tgtEl>
+                                          <p:spTgt spid="108"/>
+                                        </p:tgtEl>
+                                        <p:attrNameLst>
+                                          <p:attrName>style.visibility</p:attrName>
+                                        </p:attrNameLst>
+                                      </p:cBhvr>
+                                      <p:to>
+                                        <p:strVal val="visible"/>
+                                      </p:to>
+                                    </p:set>
+                                    <p:animEffect transition="in" filter="wipe(down)">
+                                      <p:cBhvr>
+                                        <p:cTn id="24" dur="750"/>
+                                        <p:tgtEl>
+                                          <p:spTgt spid="108"/>
+                                        </p:tgtEl>
+                                      </p:cBhvr>
+                                    </p:animEffect>
+                                  </p:childTnLst>
+                                </p:cTn>
+                              </p:par>
+                            </p:childTnLst>
+                          </p:cTn>
+                        </p:par>
+                      </p:childTnLst>
+                    </p:cTn>
+                  </p:par>
+                </p:childTnLst>
+              </p:cTn>
+              <p:prevCondLst>
+                <p:cond evt="onPrev" delay="0">
+                  <p:tgtEl>
+                    <p:sldTgt/>
+                  </p:tgtEl>
+                </p:cond>
+              </p:prevCondLst>
+              <p:nextCondLst>
+                <p:cond evt="onNext" delay="0">
+                  <p:tgtEl>
+                    <p:sldTgt/>
+                  </p:tgtEl>
+                </p:cond>
+              </p:nextCondLst>
+            </p:seq>
+          </p:childTnLst>
+        </p:cTn>
+      </p:par>
+    </p:tnLst>
+  </p:timing>
 </p:sld>
 </file>
 
@@ -30710,7 +32857,7 @@
         </p:nvGrpSpPr>
         <p:grpSpPr>
           <a:xfrm>
-            <a:off x="-1243564" y="36251"/>
+            <a:off x="-10370983" y="-6786"/>
             <a:ext cx="11335017" cy="6858000"/>
             <a:chOff x="-10744545" y="-1"/>
             <a:chExt cx="11335017" cy="6858000"/>
@@ -30974,10 +33121,10 @@
       </p:grpSp>
       <p:grpSp>
         <p:nvGrpSpPr>
-          <p:cNvPr id="67" name="Group 66">
+          <p:cNvPr id="2" name="Group 1">
             <a:extLst>
               <a:ext uri="{FF2B5EF4-FFF2-40B4-BE49-F238E27FC236}">
-                <a16:creationId xmlns:a16="http://schemas.microsoft.com/office/drawing/2014/main" id="{11FBA8A3-D6EF-42EC-AEC1-86283EED452E}"/>
+                <a16:creationId xmlns:a16="http://schemas.microsoft.com/office/drawing/2014/main" id="{FFF2455D-2C8E-46C4-9A73-DC32C9731D9A}"/>
               </a:ext>
             </a:extLst>
           </p:cNvPr>
@@ -30988,136 +33135,157 @@
           <a:xfrm>
             <a:off x="1007592" y="603120"/>
             <a:ext cx="6912499" cy="629100"/>
-            <a:chOff x="792862" y="2142394"/>
-            <a:chExt cx="3024265" cy="629100"/>
+            <a:chOff x="1007592" y="603120"/>
+            <a:chExt cx="6912499" cy="629100"/>
           </a:xfrm>
         </p:grpSpPr>
-        <p:sp>
-          <p:nvSpPr>
-            <p:cNvPr id="69" name="Oval 68">
-              <a:extLst>
-                <a:ext uri="{FF2B5EF4-FFF2-40B4-BE49-F238E27FC236}">
-                  <a16:creationId xmlns:a16="http://schemas.microsoft.com/office/drawing/2014/main" id="{40F3CBE7-0B7F-4BBC-932B-F8A1336F5066}"/>
-                </a:ext>
-              </a:extLst>
-            </p:cNvPr>
-            <p:cNvSpPr/>
-            <p:nvPr/>
-          </p:nvSpPr>
+        <p:grpSp>
+          <p:nvGrpSpPr>
+            <p:cNvPr id="67" name="Group 66">
+              <a:extLst>
+                <a:ext uri="{FF2B5EF4-FFF2-40B4-BE49-F238E27FC236}">
+                  <a16:creationId xmlns:a16="http://schemas.microsoft.com/office/drawing/2014/main" id="{11FBA8A3-D6EF-42EC-AEC1-86283EED452E}"/>
+                </a:ext>
+              </a:extLst>
+            </p:cNvPr>
+            <p:cNvGrpSpPr/>
+            <p:nvPr/>
+          </p:nvGrpSpPr>
+          <p:grpSpPr>
+            <a:xfrm>
+              <a:off x="1007592" y="603120"/>
+              <a:ext cx="6912499" cy="629100"/>
+              <a:chOff x="792862" y="2142394"/>
+              <a:chExt cx="3024265" cy="629100"/>
+            </a:xfrm>
+          </p:grpSpPr>
+          <p:sp>
+            <p:nvSpPr>
+              <p:cNvPr id="69" name="Oval 68">
+                <a:extLst>
+                  <a:ext uri="{FF2B5EF4-FFF2-40B4-BE49-F238E27FC236}">
+                    <a16:creationId xmlns:a16="http://schemas.microsoft.com/office/drawing/2014/main" id="{40F3CBE7-0B7F-4BBC-932B-F8A1336F5066}"/>
+                  </a:ext>
+                </a:extLst>
+              </p:cNvPr>
+              <p:cNvSpPr/>
+              <p:nvPr/>
+            </p:nvSpPr>
+            <p:spPr>
+              <a:xfrm>
+                <a:off x="792862" y="2142394"/>
+                <a:ext cx="282563" cy="629100"/>
+              </a:xfrm>
+              <a:prstGeom prst="ellipse">
+                <a:avLst/>
+              </a:prstGeom>
+              <a:solidFill>
+                <a:srgbClr val="00A0A8"/>
+              </a:solidFill>
+              <a:ln>
+                <a:noFill/>
+              </a:ln>
+            </p:spPr>
+            <p:style>
+              <a:lnRef idx="2">
+                <a:schemeClr val="accent1">
+                  <a:shade val="50000"/>
+                </a:schemeClr>
+              </a:lnRef>
+              <a:fillRef idx="1">
+                <a:schemeClr val="accent1"/>
+              </a:fillRef>
+              <a:effectRef idx="0">
+                <a:schemeClr val="accent1"/>
+              </a:effectRef>
+              <a:fontRef idx="minor">
+                <a:schemeClr val="lt1"/>
+              </a:fontRef>
+            </p:style>
+            <p:txBody>
+              <a:bodyPr rtlCol="0" anchor="ctr"/>
+              <a:lstStyle/>
+              <a:p>
+                <a:pPr algn="ctr"/>
+                <a:endParaRPr lang="en-US">
+                  <a:latin typeface="Arial Hebrew" charset="-79"/>
+                  <a:ea typeface="Arial Hebrew" charset="-79"/>
+                  <a:cs typeface="Arial Hebrew" charset="-79"/>
+                </a:endParaRPr>
+              </a:p>
+            </p:txBody>
+          </p:sp>
+          <p:sp>
+            <p:nvSpPr>
+              <p:cNvPr id="70" name="TextBox 69">
+                <a:extLst>
+                  <a:ext uri="{FF2B5EF4-FFF2-40B4-BE49-F238E27FC236}">
+                    <a16:creationId xmlns:a16="http://schemas.microsoft.com/office/drawing/2014/main" id="{A5766AE2-8191-4DD7-9F8B-FB3901844BFC}"/>
+                  </a:ext>
+                </a:extLst>
+              </p:cNvPr>
+              <p:cNvSpPr txBox="1"/>
+              <p:nvPr/>
+            </p:nvSpPr>
+            <p:spPr>
+              <a:xfrm>
+                <a:off x="1134518" y="2225010"/>
+                <a:ext cx="2682609" cy="461665"/>
+              </a:xfrm>
+              <a:prstGeom prst="rect">
+                <a:avLst/>
+              </a:prstGeom>
+              <a:noFill/>
+            </p:spPr>
+            <p:txBody>
+              <a:bodyPr wrap="square" rtlCol="0">
+                <a:spAutoFit/>
+              </a:bodyPr>
+              <a:lstStyle/>
+              <a:p>
+                <a:r>
+                  <a:rPr lang="en-US" sz="2400">
+                    <a:solidFill>
+                      <a:schemeClr val="tx1">
+                        <a:lumMod val="75000"/>
+                        <a:lumOff val="25000"/>
+                      </a:schemeClr>
+                    </a:solidFill>
+                    <a:latin typeface="Arial Hebrew" charset="-79"/>
+                    <a:ea typeface="Arial Hebrew" charset="-79"/>
+                    <a:cs typeface="Arial Hebrew" charset="-79"/>
+                  </a:rPr>
+                  <a:t>Mô tả bài toán</a:t>
+                </a:r>
+              </a:p>
+            </p:txBody>
+          </p:sp>
+        </p:grpSp>
+        <p:pic>
+          <p:nvPicPr>
+            <p:cNvPr id="3" name="Picture 2"/>
+            <p:cNvPicPr>
+              <a:picLocks noChangeAspect="1"/>
+            </p:cNvPicPr>
+            <p:nvPr/>
+          </p:nvPicPr>
+          <p:blipFill>
+            <a:blip r:embed="rId3"/>
+            <a:stretch>
+              <a:fillRect/>
+            </a:stretch>
+          </p:blipFill>
           <p:spPr>
             <a:xfrm>
-              <a:off x="792862" y="2142394"/>
-              <a:ext cx="282563" cy="629100"/>
-            </a:xfrm>
-            <a:prstGeom prst="ellipse">
-              <a:avLst/>
-            </a:prstGeom>
-            <a:solidFill>
-              <a:srgbClr val="00A0A8"/>
-            </a:solidFill>
-            <a:ln>
-              <a:noFill/>
-            </a:ln>
-          </p:spPr>
-          <p:style>
-            <a:lnRef idx="2">
-              <a:schemeClr val="accent1">
-                <a:shade val="50000"/>
-              </a:schemeClr>
-            </a:lnRef>
-            <a:fillRef idx="1">
-              <a:schemeClr val="accent1"/>
-            </a:fillRef>
-            <a:effectRef idx="0">
-              <a:schemeClr val="accent1"/>
-            </a:effectRef>
-            <a:fontRef idx="minor">
-              <a:schemeClr val="lt1"/>
-            </a:fontRef>
-          </p:style>
-          <p:txBody>
-            <a:bodyPr rtlCol="0" anchor="ctr"/>
-            <a:lstStyle/>
-            <a:p>
-              <a:pPr algn="ctr"/>
-              <a:endParaRPr lang="en-US">
-                <a:latin typeface="Arial Hebrew" charset="-79"/>
-                <a:ea typeface="Arial Hebrew" charset="-79"/>
-                <a:cs typeface="Arial Hebrew" charset="-79"/>
-              </a:endParaRPr>
-            </a:p>
-          </p:txBody>
-        </p:sp>
-        <p:sp>
-          <p:nvSpPr>
-            <p:cNvPr id="70" name="TextBox 69">
-              <a:extLst>
-                <a:ext uri="{FF2B5EF4-FFF2-40B4-BE49-F238E27FC236}">
-                  <a16:creationId xmlns:a16="http://schemas.microsoft.com/office/drawing/2014/main" id="{A5766AE2-8191-4DD7-9F8B-FB3901844BFC}"/>
-                </a:ext>
-              </a:extLst>
-            </p:cNvPr>
-            <p:cNvSpPr txBox="1"/>
-            <p:nvPr/>
-          </p:nvSpPr>
-          <p:spPr>
-            <a:xfrm>
-              <a:off x="1134518" y="2225010"/>
-              <a:ext cx="2682609" cy="461665"/>
+              <a:off x="1178116" y="764168"/>
+              <a:ext cx="304800" cy="304800"/>
             </a:xfrm>
             <a:prstGeom prst="rect">
               <a:avLst/>
             </a:prstGeom>
-            <a:noFill/>
           </p:spPr>
-          <p:txBody>
-            <a:bodyPr wrap="square" rtlCol="0">
-              <a:spAutoFit/>
-            </a:bodyPr>
-            <a:lstStyle/>
-            <a:p>
-              <a:r>
-                <a:rPr lang="en-US" sz="2400">
-                  <a:solidFill>
-                    <a:schemeClr val="tx1">
-                      <a:lumMod val="75000"/>
-                      <a:lumOff val="25000"/>
-                    </a:schemeClr>
-                  </a:solidFill>
-                  <a:latin typeface="Arial Hebrew" charset="-79"/>
-                  <a:ea typeface="Arial Hebrew" charset="-79"/>
-                  <a:cs typeface="Arial Hebrew" charset="-79"/>
-                </a:rPr>
-                <a:t>Mô tả bài toán</a:t>
-              </a:r>
-            </a:p>
-          </p:txBody>
-        </p:sp>
+        </p:pic>
       </p:grpSp>
-      <p:pic>
-        <p:nvPicPr>
-          <p:cNvPr id="3" name="Picture 2"/>
-          <p:cNvPicPr>
-            <a:picLocks noChangeAspect="1"/>
-          </p:cNvPicPr>
-          <p:nvPr/>
-        </p:nvPicPr>
-        <p:blipFill>
-          <a:blip r:embed="rId3"/>
-          <a:stretch>
-            <a:fillRect/>
-          </a:stretch>
-        </p:blipFill>
-        <p:spPr>
-          <a:xfrm>
-            <a:off x="1178116" y="764168"/>
-            <a:ext cx="304800" cy="304800"/>
-          </a:xfrm>
-          <a:prstGeom prst="rect">
-            <a:avLst/>
-          </a:prstGeom>
-        </p:spPr>
-      </p:pic>
       <p:grpSp>
         <p:nvGrpSpPr>
           <p:cNvPr id="81" name="Group 80"/>
@@ -31305,7 +33473,7 @@
         </p:nvGrpSpPr>
         <p:grpSpPr>
           <a:xfrm>
-            <a:off x="1007592" y="2818919"/>
+            <a:off x="1007592" y="2966718"/>
             <a:ext cx="6471720" cy="680054"/>
             <a:chOff x="1410818" y="1673343"/>
             <a:chExt cx="6471720" cy="680054"/>
@@ -31484,7 +33652,7 @@
         </p:nvGrpSpPr>
         <p:grpSpPr>
           <a:xfrm>
-            <a:off x="1007592" y="4001732"/>
+            <a:off x="1007592" y="4107343"/>
             <a:ext cx="6458939" cy="662056"/>
             <a:chOff x="1410818" y="1691341"/>
             <a:chExt cx="6458939" cy="662056"/>
@@ -31856,6 +34024,299 @@
       </p:transition>
     </mc:Fallback>
   </mc:AlternateContent>
+  <p:timing>
+    <p:tnLst>
+      <p:par>
+        <p:cTn id="1" dur="indefinite" restart="never" nodeType="tmRoot">
+          <p:childTnLst>
+            <p:seq concurrent="1" nextAc="seek">
+              <p:cTn id="2" dur="indefinite" nodeType="mainSeq">
+                <p:childTnLst>
+                  <p:par>
+                    <p:cTn id="3" fill="hold">
+                      <p:stCondLst>
+                        <p:cond delay="indefinite"/>
+                        <p:cond evt="onBegin" delay="0">
+                          <p:tn val="2"/>
+                        </p:cond>
+                      </p:stCondLst>
+                      <p:childTnLst>
+                        <p:par>
+                          <p:cTn id="4" fill="hold">
+                            <p:stCondLst>
+                              <p:cond delay="0"/>
+                            </p:stCondLst>
+                            <p:childTnLst>
+                              <p:par>
+                                <p:cTn id="5" presetID="42" presetClass="path" presetSubtype="0" accel="50000" decel="50000" fill="hold" nodeType="afterEffect">
+                                  <p:stCondLst>
+                                    <p:cond delay="0"/>
+                                  </p:stCondLst>
+                                  <p:childTnLst>
+                                    <p:animMotion origin="layout" path="M -2.70833E-6 -4.07407E-6 L 0.75026 0.00903 " pathEditMode="relative" rAng="0" ptsTypes="AA">
+                                      <p:cBhvr>
+                                        <p:cTn id="6" dur="1500" fill="hold"/>
+                                        <p:tgtEl>
+                                          <p:spTgt spid="76"/>
+                                        </p:tgtEl>
+                                        <p:attrNameLst>
+                                          <p:attrName>ppt_x</p:attrName>
+                                          <p:attrName>ppt_y</p:attrName>
+                                        </p:attrNameLst>
+                                      </p:cBhvr>
+                                      <p:rCtr x="37513" y="440"/>
+                                    </p:animMotion>
+                                  </p:childTnLst>
+                                </p:cTn>
+                              </p:par>
+                            </p:childTnLst>
+                          </p:cTn>
+                        </p:par>
+                        <p:par>
+                          <p:cTn id="7" fill="hold">
+                            <p:stCondLst>
+                              <p:cond delay="1500"/>
+                            </p:stCondLst>
+                            <p:childTnLst>
+                              <p:par>
+                                <p:cTn id="8" presetID="22" presetClass="entr" presetSubtype="4" fill="hold" nodeType="afterEffect">
+                                  <p:stCondLst>
+                                    <p:cond delay="0"/>
+                                  </p:stCondLst>
+                                  <p:childTnLst>
+                                    <p:set>
+                                      <p:cBhvr>
+                                        <p:cTn id="9" dur="1" fill="hold">
+                                          <p:stCondLst>
+                                            <p:cond delay="0"/>
+                                          </p:stCondLst>
+                                        </p:cTn>
+                                        <p:tgtEl>
+                                          <p:spTgt spid="2"/>
+                                        </p:tgtEl>
+                                        <p:attrNameLst>
+                                          <p:attrName>style.visibility</p:attrName>
+                                        </p:attrNameLst>
+                                      </p:cBhvr>
+                                      <p:to>
+                                        <p:strVal val="visible"/>
+                                      </p:to>
+                                    </p:set>
+                                    <p:animEffect transition="in" filter="wipe(down)">
+                                      <p:cBhvr>
+                                        <p:cTn id="10" dur="500"/>
+                                        <p:tgtEl>
+                                          <p:spTgt spid="2"/>
+                                        </p:tgtEl>
+                                      </p:cBhvr>
+                                    </p:animEffect>
+                                  </p:childTnLst>
+                                </p:cTn>
+                              </p:par>
+                            </p:childTnLst>
+                          </p:cTn>
+                        </p:par>
+                        <p:par>
+                          <p:cTn id="11" fill="hold">
+                            <p:stCondLst>
+                              <p:cond delay="2000"/>
+                            </p:stCondLst>
+                            <p:childTnLst>
+                              <p:par>
+                                <p:cTn id="12" presetID="22" presetClass="entr" presetSubtype="4" fill="hold" nodeType="afterEffect">
+                                  <p:stCondLst>
+                                    <p:cond delay="0"/>
+                                  </p:stCondLst>
+                                  <p:childTnLst>
+                                    <p:set>
+                                      <p:cBhvr>
+                                        <p:cTn id="13" dur="1" fill="hold">
+                                          <p:stCondLst>
+                                            <p:cond delay="0"/>
+                                          </p:stCondLst>
+                                        </p:cTn>
+                                        <p:tgtEl>
+                                          <p:spTgt spid="81"/>
+                                        </p:tgtEl>
+                                        <p:attrNameLst>
+                                          <p:attrName>style.visibility</p:attrName>
+                                        </p:attrNameLst>
+                                      </p:cBhvr>
+                                      <p:to>
+                                        <p:strVal val="visible"/>
+                                      </p:to>
+                                    </p:set>
+                                    <p:animEffect transition="in" filter="wipe(down)">
+                                      <p:cBhvr>
+                                        <p:cTn id="14" dur="500"/>
+                                        <p:tgtEl>
+                                          <p:spTgt spid="81"/>
+                                        </p:tgtEl>
+                                      </p:cBhvr>
+                                    </p:animEffect>
+                                  </p:childTnLst>
+                                </p:cTn>
+                              </p:par>
+                            </p:childTnLst>
+                          </p:cTn>
+                        </p:par>
+                        <p:par>
+                          <p:cTn id="15" fill="hold">
+                            <p:stCondLst>
+                              <p:cond delay="2500"/>
+                            </p:stCondLst>
+                            <p:childTnLst>
+                              <p:par>
+                                <p:cTn id="16" presetID="22" presetClass="entr" presetSubtype="4" fill="hold" nodeType="afterEffect">
+                                  <p:stCondLst>
+                                    <p:cond delay="0"/>
+                                  </p:stCondLst>
+                                  <p:childTnLst>
+                                    <p:set>
+                                      <p:cBhvr>
+                                        <p:cTn id="17" dur="1" fill="hold">
+                                          <p:stCondLst>
+                                            <p:cond delay="0"/>
+                                          </p:stCondLst>
+                                        </p:cTn>
+                                        <p:tgtEl>
+                                          <p:spTgt spid="86"/>
+                                        </p:tgtEl>
+                                        <p:attrNameLst>
+                                          <p:attrName>style.visibility</p:attrName>
+                                        </p:attrNameLst>
+                                      </p:cBhvr>
+                                      <p:to>
+                                        <p:strVal val="visible"/>
+                                      </p:to>
+                                    </p:set>
+                                    <p:animEffect transition="in" filter="wipe(down)">
+                                      <p:cBhvr>
+                                        <p:cTn id="18" dur="500"/>
+                                        <p:tgtEl>
+                                          <p:spTgt spid="86"/>
+                                        </p:tgtEl>
+                                      </p:cBhvr>
+                                    </p:animEffect>
+                                  </p:childTnLst>
+                                </p:cTn>
+                              </p:par>
+                            </p:childTnLst>
+                          </p:cTn>
+                        </p:par>
+                        <p:par>
+                          <p:cTn id="19" fill="hold">
+                            <p:stCondLst>
+                              <p:cond delay="3000"/>
+                            </p:stCondLst>
+                            <p:childTnLst>
+                              <p:par>
+                                <p:cTn id="20" presetID="22" presetClass="entr" presetSubtype="4" fill="hold" nodeType="afterEffect">
+                                  <p:stCondLst>
+                                    <p:cond delay="0"/>
+                                  </p:stCondLst>
+                                  <p:childTnLst>
+                                    <p:set>
+                                      <p:cBhvr>
+                                        <p:cTn id="21" dur="1" fill="hold">
+                                          <p:stCondLst>
+                                            <p:cond delay="0"/>
+                                          </p:stCondLst>
+                                        </p:cTn>
+                                        <p:tgtEl>
+                                          <p:spTgt spid="91"/>
+                                        </p:tgtEl>
+                                        <p:attrNameLst>
+                                          <p:attrName>style.visibility</p:attrName>
+                                        </p:attrNameLst>
+                                      </p:cBhvr>
+                                      <p:to>
+                                        <p:strVal val="visible"/>
+                                      </p:to>
+                                    </p:set>
+                                    <p:animEffect transition="in" filter="wipe(down)">
+                                      <p:cBhvr>
+                                        <p:cTn id="22" dur="500"/>
+                                        <p:tgtEl>
+                                          <p:spTgt spid="91"/>
+                                        </p:tgtEl>
+                                      </p:cBhvr>
+                                    </p:animEffect>
+                                  </p:childTnLst>
+                                </p:cTn>
+                              </p:par>
+                            </p:childTnLst>
+                          </p:cTn>
+                        </p:par>
+                        <p:par>
+                          <p:cTn id="23" fill="hold">
+                            <p:stCondLst>
+                              <p:cond delay="3500"/>
+                            </p:stCondLst>
+                            <p:childTnLst>
+                              <p:par>
+                                <p:cTn id="24" presetID="22" presetClass="entr" presetSubtype="4" fill="hold" nodeType="afterEffect">
+                                  <p:stCondLst>
+                                    <p:cond delay="0"/>
+                                  </p:stCondLst>
+                                  <p:childTnLst>
+                                    <p:set>
+                                      <p:cBhvr>
+                                        <p:cTn id="25" dur="1" fill="hold">
+                                          <p:stCondLst>
+                                            <p:cond delay="0"/>
+                                          </p:stCondLst>
+                                        </p:cTn>
+                                        <p:tgtEl>
+                                          <p:spTgt spid="101"/>
+                                        </p:tgtEl>
+                                        <p:attrNameLst>
+                                          <p:attrName>style.visibility</p:attrName>
+                                        </p:attrNameLst>
+                                      </p:cBhvr>
+                                      <p:to>
+                                        <p:strVal val="visible"/>
+                                      </p:to>
+                                    </p:set>
+                                    <p:animEffect transition="in" filter="wipe(down)">
+                                      <p:cBhvr>
+                                        <p:cTn id="26" dur="500"/>
+                                        <p:tgtEl>
+                                          <p:spTgt spid="101"/>
+                                        </p:tgtEl>
+                                      </p:cBhvr>
+                                    </p:animEffect>
+                                  </p:childTnLst>
+                                </p:cTn>
+                              </p:par>
+                            </p:childTnLst>
+                          </p:cTn>
+                        </p:par>
+                      </p:childTnLst>
+                    </p:cTn>
+                  </p:par>
+                </p:childTnLst>
+              </p:cTn>
+              <p:prevCondLst>
+                <p:cond evt="onPrev" delay="0">
+                  <p:tgtEl>
+                    <p:sldTgt/>
+                  </p:tgtEl>
+                </p:cond>
+              </p:prevCondLst>
+              <p:nextCondLst>
+                <p:cond evt="onNext" delay="0">
+                  <p:tgtEl>
+                    <p:sldTgt/>
+                  </p:tgtEl>
+                </p:cond>
+              </p:nextCondLst>
+            </p:seq>
+          </p:childTnLst>
+        </p:cTn>
+      </p:par>
+    </p:tnLst>
+  </p:timing>
 </p:sld>
 </file>
 

--- a/Báo cáo TKB.pptx
+++ b/Báo cáo TKB.pptx
@@ -253,7 +253,7 @@
           <a:p>
             <a:fld id="{3FDFAF59-80FD-42F8-B77B-6179688B7234}" type="datetimeFigureOut">
               <a:rPr lang="de-DE" smtClean="0"/>
-              <a:t>10.04.2019</a:t>
+              <a:t>11.04.2019</a:t>
             </a:fld>
             <a:endParaRPr lang="de-DE"/>
           </a:p>
@@ -421,7 +421,7 @@
           <a:p>
             <a:fld id="{3FDFAF59-80FD-42F8-B77B-6179688B7234}" type="datetimeFigureOut">
               <a:rPr lang="de-DE" smtClean="0"/>
-              <a:t>10.04.2019</a:t>
+              <a:t>11.04.2019</a:t>
             </a:fld>
             <a:endParaRPr lang="de-DE"/>
           </a:p>
@@ -599,7 +599,7 @@
           <a:p>
             <a:fld id="{3FDFAF59-80FD-42F8-B77B-6179688B7234}" type="datetimeFigureOut">
               <a:rPr lang="de-DE" smtClean="0"/>
-              <a:t>10.04.2019</a:t>
+              <a:t>11.04.2019</a:t>
             </a:fld>
             <a:endParaRPr lang="de-DE"/>
           </a:p>
@@ -767,7 +767,7 @@
           <a:p>
             <a:fld id="{3FDFAF59-80FD-42F8-B77B-6179688B7234}" type="datetimeFigureOut">
               <a:rPr lang="de-DE" smtClean="0"/>
-              <a:t>10.04.2019</a:t>
+              <a:t>11.04.2019</a:t>
             </a:fld>
             <a:endParaRPr lang="de-DE"/>
           </a:p>
@@ -1012,7 +1012,7 @@
           <a:p>
             <a:fld id="{3FDFAF59-80FD-42F8-B77B-6179688B7234}" type="datetimeFigureOut">
               <a:rPr lang="de-DE" smtClean="0"/>
-              <a:t>10.04.2019</a:t>
+              <a:t>11.04.2019</a:t>
             </a:fld>
             <a:endParaRPr lang="de-DE"/>
           </a:p>
@@ -1241,7 +1241,7 @@
           <a:p>
             <a:fld id="{3FDFAF59-80FD-42F8-B77B-6179688B7234}" type="datetimeFigureOut">
               <a:rPr lang="de-DE" smtClean="0"/>
-              <a:t>10.04.2019</a:t>
+              <a:t>11.04.2019</a:t>
             </a:fld>
             <a:endParaRPr lang="de-DE"/>
           </a:p>
@@ -1605,7 +1605,7 @@
           <a:p>
             <a:fld id="{3FDFAF59-80FD-42F8-B77B-6179688B7234}" type="datetimeFigureOut">
               <a:rPr lang="de-DE" smtClean="0"/>
-              <a:t>10.04.2019</a:t>
+              <a:t>11.04.2019</a:t>
             </a:fld>
             <a:endParaRPr lang="de-DE"/>
           </a:p>
@@ -1722,7 +1722,7 @@
           <a:p>
             <a:fld id="{3FDFAF59-80FD-42F8-B77B-6179688B7234}" type="datetimeFigureOut">
               <a:rPr lang="de-DE" smtClean="0"/>
-              <a:t>10.04.2019</a:t>
+              <a:t>11.04.2019</a:t>
             </a:fld>
             <a:endParaRPr lang="de-DE"/>
           </a:p>
@@ -1817,7 +1817,7 @@
           <a:p>
             <a:fld id="{3FDFAF59-80FD-42F8-B77B-6179688B7234}" type="datetimeFigureOut">
               <a:rPr lang="de-DE" smtClean="0"/>
-              <a:t>10.04.2019</a:t>
+              <a:t>11.04.2019</a:t>
             </a:fld>
             <a:endParaRPr lang="de-DE"/>
           </a:p>
@@ -2092,7 +2092,7 @@
           <a:p>
             <a:fld id="{3FDFAF59-80FD-42F8-B77B-6179688B7234}" type="datetimeFigureOut">
               <a:rPr lang="de-DE" smtClean="0"/>
-              <a:t>10.04.2019</a:t>
+              <a:t>11.04.2019</a:t>
             </a:fld>
             <a:endParaRPr lang="de-DE"/>
           </a:p>
@@ -2344,7 +2344,7 @@
           <a:p>
             <a:fld id="{3FDFAF59-80FD-42F8-B77B-6179688B7234}" type="datetimeFigureOut">
               <a:rPr lang="de-DE" smtClean="0"/>
-              <a:t>10.04.2019</a:t>
+              <a:t>11.04.2019</a:t>
             </a:fld>
             <a:endParaRPr lang="de-DE"/>
           </a:p>
@@ -2558,7 +2558,7 @@
           <a:p>
             <a:fld id="{3FDFAF59-80FD-42F8-B77B-6179688B7234}" type="datetimeFigureOut">
               <a:rPr lang="de-DE" smtClean="0"/>
-              <a:t>10.04.2019</a:t>
+              <a:t>11.04.2019</a:t>
             </a:fld>
             <a:endParaRPr lang="de-DE"/>
           </a:p>
@@ -23698,7 +23698,7 @@
                                     <p:cond delay="0"/>
                                   </p:stCondLst>
                                   <p:childTnLst>
-                                    <p:animMotion origin="layout" path="M 4.79167E-6 -4.81481E-6 L 0.75091 0.00394 " pathEditMode="relative" rAng="0" ptsTypes="AA">
+                                    <p:animMotion origin="layout" path="M 4.79167E-6 -4.81481E-6 L 0.74635 0.00788 " pathEditMode="relative" rAng="0" ptsTypes="AA">
                                       <p:cBhvr>
                                         <p:cTn id="6" dur="2000" fill="hold"/>
                                         <p:tgtEl>
@@ -23709,7 +23709,7 @@
                                           <p:attrName>ppt_y</p:attrName>
                                         </p:attrNameLst>
                                       </p:cBhvr>
-                                      <p:rCtr x="37539" y="185"/>
+                                      <p:rCtr x="37318" y="394"/>
                                     </p:animMotion>
                                   </p:childTnLst>
                                 </p:cTn>
@@ -23724,14 +23724,58 @@
                             </p:stCondLst>
                             <p:childTnLst>
                               <p:par>
-                                <p:cTn id="8" presetID="22" presetClass="entr" presetSubtype="4" fill="hold" nodeType="afterEffect">
+                                <p:cTn id="8" presetID="16" presetClass="entr" presetSubtype="21" fill="hold" nodeType="afterEffect">
+                                  <p:stCondLst>
+                                    <p:cond delay="0"/>
+                                  </p:stCondLst>
+                                  <p:childTnLst>
+                                    <p:set>
+                                      <p:cBhvr>
+                                        <p:cTn id="9" dur="1" fill="hold">
+                                          <p:stCondLst>
+                                            <p:cond delay="0"/>
+                                          </p:stCondLst>
+                                        </p:cTn>
+                                        <p:tgtEl>
+                                          <p:spTgt spid="4"/>
+                                        </p:tgtEl>
+                                        <p:attrNameLst>
+                                          <p:attrName>style.visibility</p:attrName>
+                                        </p:attrNameLst>
+                                      </p:cBhvr>
+                                      <p:to>
+                                        <p:strVal val="visible"/>
+                                      </p:to>
+                                    </p:set>
+                                    <p:animEffect transition="in" filter="barn(inVertical)">
+                                      <p:cBhvr>
+                                        <p:cTn id="10" dur="500"/>
+                                        <p:tgtEl>
+                                          <p:spTgt spid="4"/>
+                                        </p:tgtEl>
+                                      </p:cBhvr>
+                                    </p:animEffect>
+                                  </p:childTnLst>
+                                </p:cTn>
+                              </p:par>
+                            </p:childTnLst>
+                          </p:cTn>
+                        </p:par>
+                        <p:par>
+                          <p:cTn id="11" fill="hold">
+                            <p:stCondLst>
+                              <p:cond delay="2500"/>
+                            </p:stCondLst>
+                            <p:childTnLst>
+                              <p:par>
+                                <p:cTn id="12" presetID="22" presetClass="entr" presetSubtype="4" fill="hold" nodeType="afterEffect">
                                   <p:stCondLst>
                                     <p:cond delay="250"/>
                                   </p:stCondLst>
                                   <p:childTnLst>
                                     <p:set>
                                       <p:cBhvr>
-                                        <p:cTn id="9" dur="1" fill="hold">
+                                        <p:cTn id="13" dur="1" fill="hold">
                                           <p:stCondLst>
                                             <p:cond delay="0"/>
                                           </p:stCondLst>
@@ -23749,7 +23793,7 @@
                                     </p:set>
                                     <p:animEffect transition="in" filter="wipe(down)">
                                       <p:cBhvr>
-                                        <p:cTn id="10" dur="500"/>
+                                        <p:cTn id="14" dur="500"/>
                                         <p:tgtEl>
                                           <p:spTgt spid="118"/>
                                         </p:tgtEl>
@@ -23762,20 +23806,20 @@
                           </p:cTn>
                         </p:par>
                         <p:par>
-                          <p:cTn id="11" fill="hold">
+                          <p:cTn id="15" fill="hold">
                             <p:stCondLst>
-                              <p:cond delay="2750"/>
+                              <p:cond delay="3250"/>
                             </p:stCondLst>
                             <p:childTnLst>
                               <p:par>
-                                <p:cTn id="12" presetID="22" presetClass="entr" presetSubtype="4" fill="hold" nodeType="afterEffect">
+                                <p:cTn id="16" presetID="22" presetClass="entr" presetSubtype="4" fill="hold" nodeType="afterEffect">
                                   <p:stCondLst>
                                     <p:cond delay="250"/>
                                   </p:stCondLst>
                                   <p:childTnLst>
                                     <p:set>
                                       <p:cBhvr>
-                                        <p:cTn id="13" dur="1" fill="hold">
+                                        <p:cTn id="17" dur="1" fill="hold">
                                           <p:stCondLst>
                                             <p:cond delay="0"/>
                                           </p:stCondLst>
@@ -23793,7 +23837,7 @@
                                     </p:set>
                                     <p:animEffect transition="in" filter="wipe(down)">
                                       <p:cBhvr>
-                                        <p:cTn id="14" dur="500"/>
+                                        <p:cTn id="18" dur="500"/>
                                         <p:tgtEl>
                                           <p:spTgt spid="82"/>
                                         </p:tgtEl>
@@ -23806,20 +23850,20 @@
                           </p:cTn>
                         </p:par>
                         <p:par>
-                          <p:cTn id="15" fill="hold">
+                          <p:cTn id="19" fill="hold">
                             <p:stCondLst>
-                              <p:cond delay="3500"/>
+                              <p:cond delay="4000"/>
                             </p:stCondLst>
                             <p:childTnLst>
                               <p:par>
-                                <p:cTn id="16" presetID="22" presetClass="entr" presetSubtype="4" fill="hold" nodeType="afterEffect">
+                                <p:cTn id="20" presetID="22" presetClass="entr" presetSubtype="4" fill="hold" nodeType="afterEffect">
                                   <p:stCondLst>
                                     <p:cond delay="250"/>
                                   </p:stCondLst>
                                   <p:childTnLst>
                                     <p:set>
                                       <p:cBhvr>
-                                        <p:cTn id="17" dur="1" fill="hold">
+                                        <p:cTn id="21" dur="1" fill="hold">
                                           <p:stCondLst>
                                             <p:cond delay="0"/>
                                           </p:stCondLst>
@@ -23837,7 +23881,7 @@
                                     </p:set>
                                     <p:animEffect transition="in" filter="wipe(down)">
                                       <p:cBhvr>
-                                        <p:cTn id="18" dur="500"/>
+                                        <p:cTn id="22" dur="500"/>
                                         <p:tgtEl>
                                           <p:spTgt spid="86"/>
                                         </p:tgtEl>
@@ -23850,20 +23894,20 @@
                           </p:cTn>
                         </p:par>
                         <p:par>
-                          <p:cTn id="19" fill="hold">
+                          <p:cTn id="23" fill="hold">
                             <p:stCondLst>
-                              <p:cond delay="4250"/>
+                              <p:cond delay="4750"/>
                             </p:stCondLst>
                             <p:childTnLst>
                               <p:par>
-                                <p:cTn id="20" presetID="22" presetClass="entr" presetSubtype="4" fill="hold" nodeType="afterEffect">
+                                <p:cTn id="24" presetID="22" presetClass="entr" presetSubtype="4" fill="hold" nodeType="afterEffect">
                                   <p:stCondLst>
                                     <p:cond delay="250"/>
                                   </p:stCondLst>
                                   <p:childTnLst>
                                     <p:set>
                                       <p:cBhvr>
-                                        <p:cTn id="21" dur="1" fill="hold">
+                                        <p:cTn id="25" dur="1" fill="hold">
                                           <p:stCondLst>
                                             <p:cond delay="0"/>
                                           </p:stCondLst>
@@ -23881,7 +23925,7 @@
                                     </p:set>
                                     <p:animEffect transition="in" filter="wipe(down)">
                                       <p:cBhvr>
-                                        <p:cTn id="22" dur="500"/>
+                                        <p:cTn id="26" dur="500"/>
                                         <p:tgtEl>
                                           <p:spTgt spid="90"/>
                                         </p:tgtEl>
@@ -24780,7 +24824,7 @@
         </p:nvGrpSpPr>
         <p:grpSpPr>
           <a:xfrm>
-            <a:off x="-1239097" y="0"/>
+            <a:off x="-1265959" y="25948"/>
             <a:ext cx="11860720" cy="6858000"/>
             <a:chOff x="-2449883" y="-1"/>
             <a:chExt cx="11860720" cy="6858000"/>
